--- a/KINFO/PrezentaceKINFO911.pptx
+++ b/KINFO/PrezentaceKINFO911.pptx
@@ -5,13 +5,13 @@
     <p:sldMasterId id="2147483648" r:id="rId1"/>
   </p:sldMasterIdLst>
   <p:notesMasterIdLst>
-    <p:notesMasterId r:id="rId57"/>
+    <p:notesMasterId r:id="rId58"/>
   </p:notesMasterIdLst>
   <p:sldIdLst>
     <p:sldId id="256" r:id="rId2"/>
     <p:sldId id="278" r:id="rId3"/>
-    <p:sldId id="279" r:id="rId4"/>
-    <p:sldId id="281" r:id="rId5"/>
+    <p:sldId id="281" r:id="rId4"/>
+    <p:sldId id="279" r:id="rId5"/>
     <p:sldId id="280" r:id="rId6"/>
     <p:sldId id="282" r:id="rId7"/>
     <p:sldId id="283" r:id="rId8"/>
@@ -24,45 +24,46 @@
     <p:sldId id="259" r:id="rId15"/>
     <p:sldId id="260" r:id="rId16"/>
     <p:sldId id="261" r:id="rId17"/>
-    <p:sldId id="262" r:id="rId18"/>
-    <p:sldId id="263" r:id="rId19"/>
-    <p:sldId id="264" r:id="rId20"/>
-    <p:sldId id="265" r:id="rId21"/>
-    <p:sldId id="266" r:id="rId22"/>
-    <p:sldId id="267" r:id="rId23"/>
-    <p:sldId id="268" r:id="rId24"/>
-    <p:sldId id="269" r:id="rId25"/>
-    <p:sldId id="270" r:id="rId26"/>
-    <p:sldId id="271" r:id="rId27"/>
-    <p:sldId id="272" r:id="rId28"/>
-    <p:sldId id="273" r:id="rId29"/>
-    <p:sldId id="286" r:id="rId30"/>
-    <p:sldId id="287" r:id="rId31"/>
-    <p:sldId id="288" r:id="rId32"/>
-    <p:sldId id="289" r:id="rId33"/>
-    <p:sldId id="290" r:id="rId34"/>
-    <p:sldId id="291" r:id="rId35"/>
-    <p:sldId id="292" r:id="rId36"/>
-    <p:sldId id="293" r:id="rId37"/>
-    <p:sldId id="300" r:id="rId38"/>
-    <p:sldId id="301" r:id="rId39"/>
-    <p:sldId id="302" r:id="rId40"/>
-    <p:sldId id="294" r:id="rId41"/>
-    <p:sldId id="295" r:id="rId42"/>
-    <p:sldId id="296" r:id="rId43"/>
-    <p:sldId id="297" r:id="rId44"/>
-    <p:sldId id="298" r:id="rId45"/>
-    <p:sldId id="303" r:id="rId46"/>
-    <p:sldId id="304" r:id="rId47"/>
-    <p:sldId id="305" r:id="rId48"/>
-    <p:sldId id="306" r:id="rId49"/>
-    <p:sldId id="307" r:id="rId50"/>
-    <p:sldId id="308" r:id="rId51"/>
-    <p:sldId id="309" r:id="rId52"/>
-    <p:sldId id="310" r:id="rId53"/>
-    <p:sldId id="311" r:id="rId54"/>
-    <p:sldId id="313" r:id="rId55"/>
-    <p:sldId id="284" r:id="rId56"/>
+    <p:sldId id="315" r:id="rId18"/>
+    <p:sldId id="262" r:id="rId19"/>
+    <p:sldId id="263" r:id="rId20"/>
+    <p:sldId id="264" r:id="rId21"/>
+    <p:sldId id="265" r:id="rId22"/>
+    <p:sldId id="266" r:id="rId23"/>
+    <p:sldId id="267" r:id="rId24"/>
+    <p:sldId id="268" r:id="rId25"/>
+    <p:sldId id="269" r:id="rId26"/>
+    <p:sldId id="270" r:id="rId27"/>
+    <p:sldId id="271" r:id="rId28"/>
+    <p:sldId id="272" r:id="rId29"/>
+    <p:sldId id="273" r:id="rId30"/>
+    <p:sldId id="286" r:id="rId31"/>
+    <p:sldId id="287" r:id="rId32"/>
+    <p:sldId id="288" r:id="rId33"/>
+    <p:sldId id="289" r:id="rId34"/>
+    <p:sldId id="290" r:id="rId35"/>
+    <p:sldId id="291" r:id="rId36"/>
+    <p:sldId id="292" r:id="rId37"/>
+    <p:sldId id="293" r:id="rId38"/>
+    <p:sldId id="300" r:id="rId39"/>
+    <p:sldId id="301" r:id="rId40"/>
+    <p:sldId id="302" r:id="rId41"/>
+    <p:sldId id="294" r:id="rId42"/>
+    <p:sldId id="295" r:id="rId43"/>
+    <p:sldId id="296" r:id="rId44"/>
+    <p:sldId id="297" r:id="rId45"/>
+    <p:sldId id="298" r:id="rId46"/>
+    <p:sldId id="303" r:id="rId47"/>
+    <p:sldId id="304" r:id="rId48"/>
+    <p:sldId id="305" r:id="rId49"/>
+    <p:sldId id="306" r:id="rId50"/>
+    <p:sldId id="307" r:id="rId51"/>
+    <p:sldId id="308" r:id="rId52"/>
+    <p:sldId id="309" r:id="rId53"/>
+    <p:sldId id="310" r:id="rId54"/>
+    <p:sldId id="311" r:id="rId55"/>
+    <p:sldId id="313" r:id="rId56"/>
+    <p:sldId id="284" r:id="rId57"/>
   </p:sldIdLst>
   <p:sldSz cx="12192000" cy="6858000"/>
   <p:notesSz cx="6858000" cy="9144000"/>
@@ -169,16 +170,69 @@
 </p:presentation>
 </file>
 
-<file path=ppt/revisionInfo.xml><?xml version="1.0" encoding="utf-8"?>
-<p1510:revInfo xmlns:a="http://schemas.openxmlformats.org/drawingml/2006/main" xmlns:r="http://schemas.openxmlformats.org/officeDocument/2006/relationships" xmlns:p1510="http://schemas.microsoft.com/office/powerpoint/2015/10/main">
-  <p1510:revLst>
-    <p1510:client id="{4624C2E8-DD24-4128-BEFB-AD7416DB090C}" v="1" dt="2021-10-07T08:30:26.146"/>
-  </p1510:revLst>
-</p1510:revInfo>
-</file>
-
 <file path=ppt/changesInfos/changesInfo1.xml><?xml version="1.0" encoding="utf-8"?>
 <pc:chgInfo xmlns:a="http://schemas.openxmlformats.org/drawingml/2006/main" xmlns:r="http://schemas.openxmlformats.org/officeDocument/2006/relationships" xmlns:ac="http://schemas.microsoft.com/office/drawing/2013/main/command" xmlns:pc="http://schemas.microsoft.com/office/powerpoint/2013/main/command">
+  <pc:docChgLst>
+    <pc:chgData name="Petr Průcha" userId="6c181d701774c066" providerId="LiveId" clId="{7FB75B02-02FC-405D-B87A-0A3E051A9790}"/>
+    <pc:docChg chg="custSel addSld delSld modSld sldOrd">
+      <pc:chgData name="Petr Průcha" userId="6c181d701774c066" providerId="LiveId" clId="{7FB75B02-02FC-405D-B87A-0A3E051A9790}" dt="2021-11-28T12:58:08.160" v="209" actId="6549"/>
+      <pc:docMkLst>
+        <pc:docMk/>
+      </pc:docMkLst>
+      <pc:sldChg chg="modSp mod ord">
+        <pc:chgData name="Petr Průcha" userId="6c181d701774c066" providerId="LiveId" clId="{7FB75B02-02FC-405D-B87A-0A3E051A9790}" dt="2021-11-28T08:10:48.904" v="174"/>
+        <pc:sldMkLst>
+          <pc:docMk/>
+          <pc:sldMk cId="34763863" sldId="281"/>
+        </pc:sldMkLst>
+        <pc:spChg chg="mod">
+          <ac:chgData name="Petr Průcha" userId="6c181d701774c066" providerId="LiveId" clId="{7FB75B02-02FC-405D-B87A-0A3E051A9790}" dt="2021-11-28T07:58:13.539" v="172" actId="20577"/>
+          <ac:spMkLst>
+            <pc:docMk/>
+            <pc:sldMk cId="34763863" sldId="281"/>
+            <ac:spMk id="3" creationId="{F912A66B-B924-40F1-B9B8-9B2273ED40EA}"/>
+          </ac:spMkLst>
+        </pc:spChg>
+      </pc:sldChg>
+      <pc:sldChg chg="modSp mod">
+        <pc:chgData name="Petr Průcha" userId="6c181d701774c066" providerId="LiveId" clId="{7FB75B02-02FC-405D-B87A-0A3E051A9790}" dt="2021-11-28T12:58:08.160" v="209" actId="6549"/>
+        <pc:sldMkLst>
+          <pc:docMk/>
+          <pc:sldMk cId="3607775331" sldId="292"/>
+        </pc:sldMkLst>
+        <pc:spChg chg="mod">
+          <ac:chgData name="Petr Průcha" userId="6c181d701774c066" providerId="LiveId" clId="{7FB75B02-02FC-405D-B87A-0A3E051A9790}" dt="2021-11-28T12:58:08.160" v="209" actId="6549"/>
+          <ac:spMkLst>
+            <pc:docMk/>
+            <pc:sldMk cId="3607775331" sldId="292"/>
+            <ac:spMk id="3" creationId="{CD074FCC-7457-4852-A289-68D08F860D3E}"/>
+          </ac:spMkLst>
+        </pc:spChg>
+      </pc:sldChg>
+      <pc:sldChg chg="new del">
+        <pc:chgData name="Petr Průcha" userId="6c181d701774c066" providerId="LiveId" clId="{7FB75B02-02FC-405D-B87A-0A3E051A9790}" dt="2021-11-28T07:56:01.560" v="2" actId="47"/>
+        <pc:sldMkLst>
+          <pc:docMk/>
+          <pc:sldMk cId="1010587974" sldId="314"/>
+        </pc:sldMkLst>
+      </pc:sldChg>
+      <pc:sldChg chg="modSp add mod">
+        <pc:chgData name="Petr Průcha" userId="6c181d701774c066" providerId="LiveId" clId="{7FB75B02-02FC-405D-B87A-0A3E051A9790}" dt="2021-11-28T07:56:33.520" v="106" actId="6549"/>
+        <pc:sldMkLst>
+          <pc:docMk/>
+          <pc:sldMk cId="4125514934" sldId="315"/>
+        </pc:sldMkLst>
+        <pc:spChg chg="mod">
+          <ac:chgData name="Petr Průcha" userId="6c181d701774c066" providerId="LiveId" clId="{7FB75B02-02FC-405D-B87A-0A3E051A9790}" dt="2021-11-28T07:56:33.520" v="106" actId="6549"/>
+          <ac:spMkLst>
+            <pc:docMk/>
+            <pc:sldMk cId="4125514934" sldId="315"/>
+            <ac:spMk id="2" creationId="{510E0956-DA92-4A40-85E9-923667D94F33}"/>
+          </ac:spMkLst>
+        </pc:spChg>
+      </pc:sldChg>
+    </pc:docChg>
+  </pc:docChgLst>
   <pc:docChgLst>
     <pc:chgData name="Petr Průcha" userId="6c181d701774c066" providerId="LiveId" clId="{4624C2E8-DD24-4128-BEFB-AD7416DB090C}"/>
     <pc:docChg chg="custSel modSld">
@@ -288,7 +342,7 @@
           <a:p>
             <a:fld id="{41CE666D-1C2F-4E2D-B591-414CF2BE825D}" type="datetimeFigureOut">
               <a:rPr lang="cs-CZ" smtClean="0"/>
-              <a:t>09.10.2021</a:t>
+              <a:t>28.11.2021</a:t>
             </a:fld>
             <a:endParaRPr lang="cs-CZ"/>
           </a:p>
@@ -789,7 +843,7 @@
           <a:p>
             <a:fld id="{2DE28726-703B-41EB-80E9-D3F7A678AB3C}" type="datetimeFigureOut">
               <a:rPr lang="cs-CZ" smtClean="0"/>
-              <a:t>09.10.2021</a:t>
+              <a:t>28.11.2021</a:t>
             </a:fld>
             <a:endParaRPr lang="cs-CZ"/>
           </a:p>
@@ -987,7 +1041,7 @@
           <a:p>
             <a:fld id="{2DE28726-703B-41EB-80E9-D3F7A678AB3C}" type="datetimeFigureOut">
               <a:rPr lang="cs-CZ" smtClean="0"/>
-              <a:t>09.10.2021</a:t>
+              <a:t>28.11.2021</a:t>
             </a:fld>
             <a:endParaRPr lang="cs-CZ"/>
           </a:p>
@@ -1195,7 +1249,7 @@
           <a:p>
             <a:fld id="{2DE28726-703B-41EB-80E9-D3F7A678AB3C}" type="datetimeFigureOut">
               <a:rPr lang="cs-CZ" smtClean="0"/>
-              <a:t>09.10.2021</a:t>
+              <a:t>28.11.2021</a:t>
             </a:fld>
             <a:endParaRPr lang="cs-CZ"/>
           </a:p>
@@ -1393,7 +1447,7 @@
           <a:p>
             <a:fld id="{2DE28726-703B-41EB-80E9-D3F7A678AB3C}" type="datetimeFigureOut">
               <a:rPr lang="cs-CZ" smtClean="0"/>
-              <a:t>09.10.2021</a:t>
+              <a:t>28.11.2021</a:t>
             </a:fld>
             <a:endParaRPr lang="cs-CZ"/>
           </a:p>
@@ -1668,7 +1722,7 @@
           <a:p>
             <a:fld id="{2DE28726-703B-41EB-80E9-D3F7A678AB3C}" type="datetimeFigureOut">
               <a:rPr lang="cs-CZ" smtClean="0"/>
-              <a:t>09.10.2021</a:t>
+              <a:t>28.11.2021</a:t>
             </a:fld>
             <a:endParaRPr lang="cs-CZ"/>
           </a:p>
@@ -1933,7 +1987,7 @@
           <a:p>
             <a:fld id="{2DE28726-703B-41EB-80E9-D3F7A678AB3C}" type="datetimeFigureOut">
               <a:rPr lang="cs-CZ" smtClean="0"/>
-              <a:t>09.10.2021</a:t>
+              <a:t>28.11.2021</a:t>
             </a:fld>
             <a:endParaRPr lang="cs-CZ"/>
           </a:p>
@@ -2345,7 +2399,7 @@
           <a:p>
             <a:fld id="{2DE28726-703B-41EB-80E9-D3F7A678AB3C}" type="datetimeFigureOut">
               <a:rPr lang="cs-CZ" smtClean="0"/>
-              <a:t>09.10.2021</a:t>
+              <a:t>28.11.2021</a:t>
             </a:fld>
             <a:endParaRPr lang="cs-CZ"/>
           </a:p>
@@ -2486,7 +2540,7 @@
           <a:p>
             <a:fld id="{2DE28726-703B-41EB-80E9-D3F7A678AB3C}" type="datetimeFigureOut">
               <a:rPr lang="cs-CZ" smtClean="0"/>
-              <a:t>09.10.2021</a:t>
+              <a:t>28.11.2021</a:t>
             </a:fld>
             <a:endParaRPr lang="cs-CZ"/>
           </a:p>
@@ -2599,7 +2653,7 @@
           <a:p>
             <a:fld id="{2DE28726-703B-41EB-80E9-D3F7A678AB3C}" type="datetimeFigureOut">
               <a:rPr lang="cs-CZ" smtClean="0"/>
-              <a:t>09.10.2021</a:t>
+              <a:t>28.11.2021</a:t>
             </a:fld>
             <a:endParaRPr lang="cs-CZ"/>
           </a:p>
@@ -2910,7 +2964,7 @@
           <a:p>
             <a:fld id="{2DE28726-703B-41EB-80E9-D3F7A678AB3C}" type="datetimeFigureOut">
               <a:rPr lang="cs-CZ" smtClean="0"/>
-              <a:t>09.10.2021</a:t>
+              <a:t>28.11.2021</a:t>
             </a:fld>
             <a:endParaRPr lang="cs-CZ"/>
           </a:p>
@@ -3198,7 +3252,7 @@
           <a:p>
             <a:fld id="{2DE28726-703B-41EB-80E9-D3F7A678AB3C}" type="datetimeFigureOut">
               <a:rPr lang="cs-CZ" smtClean="0"/>
-              <a:t>09.10.2021</a:t>
+              <a:t>28.11.2021</a:t>
             </a:fld>
             <a:endParaRPr lang="cs-CZ"/>
           </a:p>
@@ -3439,7 +3493,7 @@
           <a:p>
             <a:fld id="{2DE28726-703B-41EB-80E9-D3F7A678AB3C}" type="datetimeFigureOut">
               <a:rPr lang="cs-CZ" smtClean="0"/>
-              <a:t>09.10.2021</a:t>
+              <a:t>28.11.2021</a:t>
             </a:fld>
             <a:endParaRPr lang="cs-CZ"/>
           </a:p>
@@ -5172,7 +5226,7 @@
           <p:cNvPr id="2" name="Nadpis 1">
             <a:extLst>
               <a:ext uri="{FF2B5EF4-FFF2-40B4-BE49-F238E27FC236}">
-                <a16:creationId xmlns:a16="http://schemas.microsoft.com/office/drawing/2014/main" id="{67ADD429-2D8F-4354-A49B-FD3BC418024F}"/>
+                <a16:creationId xmlns:a16="http://schemas.microsoft.com/office/drawing/2014/main" id="{510E0956-DA92-4A40-85E9-923667D94F33}"/>
               </a:ext>
             </a:extLst>
           </p:cNvPr>
@@ -5186,42 +5240,39 @@
         <p:spPr>
           <a:xfrm>
             <a:off x="838200" y="365125"/>
-            <a:ext cx="10515600" cy="6238875"/>
+            <a:ext cx="10515600" cy="5389130"/>
           </a:xfrm>
         </p:spPr>
         <p:txBody>
-          <a:bodyPr/>
-          <a:lstStyle/>
-          <a:p>
-            <a:r>
-              <a:rPr lang="cs-CZ" dirty="0" err="1">
-                <a:hlinkClick r:id="rId2"/>
-              </a:rPr>
-              <a:t>How</a:t>
-            </a:r>
-            <a:r>
-              <a:rPr lang="cs-CZ" dirty="0">
-                <a:hlinkClick r:id="rId2"/>
-              </a:rPr>
-              <a:t> WIFI </a:t>
-            </a:r>
-            <a:r>
-              <a:rPr lang="cs-CZ" dirty="0" err="1">
-                <a:hlinkClick r:id="rId2"/>
-              </a:rPr>
-              <a:t>work</a:t>
-            </a:r>
-            <a:r>
-              <a:rPr lang="cs-CZ" dirty="0"/>
-              <a:t>?</a:t>
-            </a:r>
+          <a:bodyPr>
+            <a:normAutofit/>
+          </a:bodyPr>
+          <a:lstStyle/>
+          <a:p>
+            <a:pPr algn="ctr"/>
+            <a:r>
+              <a:rPr lang="en-GB" dirty="0"/>
+              <a:t>Z</a:t>
+            </a:r>
+            <a:r>
+              <a:rPr lang="cs-CZ" dirty="0" err="1"/>
+              <a:t>ároveň</a:t>
+            </a:r>
+            <a:r>
+              <a:rPr lang="cs-CZ" dirty="0"/>
+              <a:t> je k tomu důležité co hledat jinak to nikdy nenajdete, protože nevíte co hledáte</a:t>
+            </a:r>
+            <a:br>
+              <a:rPr lang="cs-CZ" dirty="0"/>
+            </a:br>
+            <a:endParaRPr lang="cs-CZ" dirty="0"/>
           </a:p>
         </p:txBody>
       </p:sp>
     </p:spTree>
     <p:extLst>
       <p:ext uri="{BB962C8B-B14F-4D97-AF65-F5344CB8AC3E}">
-        <p14:creationId xmlns:p14="http://schemas.microsoft.com/office/powerpoint/2010/main" val="3304382462"/>
+        <p14:creationId xmlns:p14="http://schemas.microsoft.com/office/powerpoint/2010/main" val="4125514934"/>
       </p:ext>
     </p:extLst>
   </p:cSld>
@@ -5253,7 +5304,7 @@
           <p:cNvPr id="2" name="Nadpis 1">
             <a:extLst>
               <a:ext uri="{FF2B5EF4-FFF2-40B4-BE49-F238E27FC236}">
-                <a16:creationId xmlns:a16="http://schemas.microsoft.com/office/drawing/2014/main" id="{09E1FB5F-D52A-4B9C-B1BC-74B23FBB883D}"/>
+                <a16:creationId xmlns:a16="http://schemas.microsoft.com/office/drawing/2014/main" id="{67ADD429-2D8F-4354-A49B-FD3BC418024F}"/>
               </a:ext>
             </a:extLst>
           </p:cNvPr>
@@ -5267,17 +5318,34 @@
         <p:spPr>
           <a:xfrm>
             <a:off x="838200" y="365125"/>
-            <a:ext cx="10515600" cy="6174220"/>
+            <a:ext cx="10515600" cy="6238875"/>
           </a:xfrm>
         </p:spPr>
         <p:txBody>
           <a:bodyPr/>
           <a:lstStyle/>
           <a:p>
-            <a:pPr algn="ctr"/>
-            <a:r>
-              <a:rPr lang="cs-CZ" dirty="0"/>
-              <a:t>Ten kdo to vymyslel, tak někam napsal, jak to funguje a zdokumentoval to</a:t>
+            <a:r>
+              <a:rPr lang="cs-CZ" dirty="0" err="1">
+                <a:hlinkClick r:id="rId2"/>
+              </a:rPr>
+              <a:t>How</a:t>
+            </a:r>
+            <a:r>
+              <a:rPr lang="cs-CZ" dirty="0">
+                <a:hlinkClick r:id="rId2"/>
+              </a:rPr>
+              <a:t> WIFI </a:t>
+            </a:r>
+            <a:r>
+              <a:rPr lang="cs-CZ" dirty="0" err="1">
+                <a:hlinkClick r:id="rId2"/>
+              </a:rPr>
+              <a:t>work</a:t>
+            </a:r>
+            <a:r>
+              <a:rPr lang="cs-CZ" dirty="0"/>
+              <a:t>?</a:t>
             </a:r>
           </a:p>
         </p:txBody>
@@ -5285,7 +5353,7 @@
     </p:spTree>
     <p:extLst>
       <p:ext uri="{BB962C8B-B14F-4D97-AF65-F5344CB8AC3E}">
-        <p14:creationId xmlns:p14="http://schemas.microsoft.com/office/powerpoint/2010/main" val="2013839641"/>
+        <p14:creationId xmlns:p14="http://schemas.microsoft.com/office/powerpoint/2010/main" val="3304382462"/>
       </p:ext>
     </p:extLst>
   </p:cSld>
@@ -5317,7 +5385,7 @@
           <p:cNvPr id="2" name="Nadpis 1">
             <a:extLst>
               <a:ext uri="{FF2B5EF4-FFF2-40B4-BE49-F238E27FC236}">
-                <a16:creationId xmlns:a16="http://schemas.microsoft.com/office/drawing/2014/main" id="{77A4FD08-9979-49A5-8FD0-868306AAF966}"/>
+                <a16:creationId xmlns:a16="http://schemas.microsoft.com/office/drawing/2014/main" id="{09E1FB5F-D52A-4B9C-B1BC-74B23FBB883D}"/>
               </a:ext>
             </a:extLst>
           </p:cNvPr>
@@ -5331,19 +5399,17 @@
         <p:spPr>
           <a:xfrm>
             <a:off x="838200" y="365125"/>
-            <a:ext cx="10515600" cy="6146511"/>
+            <a:ext cx="10515600" cy="6174220"/>
           </a:xfrm>
         </p:spPr>
         <p:txBody>
-          <a:bodyPr>
-            <a:normAutofit/>
-          </a:bodyPr>
+          <a:bodyPr/>
           <a:lstStyle/>
           <a:p>
             <a:pPr algn="ctr"/>
             <a:r>
               <a:rPr lang="cs-CZ" dirty="0"/>
-              <a:t>Říká se tomu různě: v IT nejčastěji dokumentace, ale může být i příručka, návod…</a:t>
+              <a:t>Ten kdo to vymyslel, tak někam napsal, jak to funguje a zdokumentoval to</a:t>
             </a:r>
           </a:p>
         </p:txBody>
@@ -5351,7 +5417,7 @@
     </p:spTree>
     <p:extLst>
       <p:ext uri="{BB962C8B-B14F-4D97-AF65-F5344CB8AC3E}">
-        <p14:creationId xmlns:p14="http://schemas.microsoft.com/office/powerpoint/2010/main" val="4116577749"/>
+        <p14:creationId xmlns:p14="http://schemas.microsoft.com/office/powerpoint/2010/main" val="2013839641"/>
       </p:ext>
     </p:extLst>
   </p:cSld>
@@ -5484,7 +5550,7 @@
           <p:cNvPr id="2" name="Nadpis 1">
             <a:extLst>
               <a:ext uri="{FF2B5EF4-FFF2-40B4-BE49-F238E27FC236}">
-                <a16:creationId xmlns:a16="http://schemas.microsoft.com/office/drawing/2014/main" id="{1E183575-A51A-4D37-A859-7A0DD2E26D11}"/>
+                <a16:creationId xmlns:a16="http://schemas.microsoft.com/office/drawing/2014/main" id="{77A4FD08-9979-49A5-8FD0-868306AAF966}"/>
               </a:ext>
             </a:extLst>
           </p:cNvPr>
@@ -5502,48 +5568,23 @@
           </a:xfrm>
         </p:spPr>
         <p:txBody>
-          <a:bodyPr/>
+          <a:bodyPr>
+            <a:normAutofit/>
+          </a:bodyPr>
           <a:lstStyle/>
           <a:p>
             <a:pPr algn="ctr"/>
             <a:r>
-              <a:rPr lang="cs-CZ" b="1" i="1" dirty="0"/>
-              <a:t>Důležitý </a:t>
-            </a:r>
-            <a:r>
-              <a:rPr lang="cs-CZ" b="1" i="1" dirty="0" err="1"/>
-              <a:t>skill</a:t>
-            </a:r>
-            <a:r>
-              <a:rPr lang="cs-CZ" b="1" i="1" dirty="0"/>
-              <a:t> n°1</a:t>
-            </a:r>
-            <a:br>
-              <a:rPr lang="cs-CZ" dirty="0"/>
-            </a:br>
-            <a:r>
-              <a:rPr lang="cs-CZ" dirty="0"/>
-              <a:t>Takže informace „just in </a:t>
-            </a:r>
-            <a:r>
-              <a:rPr lang="cs-CZ" dirty="0" err="1"/>
-              <a:t>time</a:t>
-            </a:r>
-            <a:r>
-              <a:rPr lang="cs-CZ" dirty="0"/>
-              <a:t>“ a najdu si dokumentaci/návod </a:t>
-            </a:r>
-            <a:br>
-              <a:rPr lang="cs-CZ" dirty="0"/>
-            </a:br>
-            <a:endParaRPr lang="cs-CZ" b="1" i="1" dirty="0"/>
+              <a:rPr lang="cs-CZ" dirty="0"/>
+              <a:t>Říká se tomu různě: v IT nejčastěji dokumentace, ale může být i příručka, návod…</a:t>
+            </a:r>
           </a:p>
         </p:txBody>
       </p:sp>
     </p:spTree>
     <p:extLst>
       <p:ext uri="{BB962C8B-B14F-4D97-AF65-F5344CB8AC3E}">
-        <p14:creationId xmlns:p14="http://schemas.microsoft.com/office/powerpoint/2010/main" val="2130500304"/>
+        <p14:creationId xmlns:p14="http://schemas.microsoft.com/office/powerpoint/2010/main" val="4116577749"/>
       </p:ext>
     </p:extLst>
   </p:cSld>
@@ -5575,6 +5616,97 @@
           <p:cNvPr id="2" name="Nadpis 1">
             <a:extLst>
               <a:ext uri="{FF2B5EF4-FFF2-40B4-BE49-F238E27FC236}">
+                <a16:creationId xmlns:a16="http://schemas.microsoft.com/office/drawing/2014/main" id="{1E183575-A51A-4D37-A859-7A0DD2E26D11}"/>
+              </a:ext>
+            </a:extLst>
+          </p:cNvPr>
+          <p:cNvSpPr>
+            <a:spLocks noGrp="1"/>
+          </p:cNvSpPr>
+          <p:nvPr>
+            <p:ph type="title"/>
+          </p:nvPr>
+        </p:nvSpPr>
+        <p:spPr>
+          <a:xfrm>
+            <a:off x="838200" y="365125"/>
+            <a:ext cx="10515600" cy="6146511"/>
+          </a:xfrm>
+        </p:spPr>
+        <p:txBody>
+          <a:bodyPr/>
+          <a:lstStyle/>
+          <a:p>
+            <a:pPr algn="ctr"/>
+            <a:r>
+              <a:rPr lang="cs-CZ" b="1" i="1" dirty="0"/>
+              <a:t>Důležitý </a:t>
+            </a:r>
+            <a:r>
+              <a:rPr lang="cs-CZ" b="1" i="1" dirty="0" err="1"/>
+              <a:t>skill</a:t>
+            </a:r>
+            <a:r>
+              <a:rPr lang="cs-CZ" b="1" i="1" dirty="0"/>
+              <a:t> n°1</a:t>
+            </a:r>
+            <a:br>
+              <a:rPr lang="cs-CZ" dirty="0"/>
+            </a:br>
+            <a:r>
+              <a:rPr lang="cs-CZ" dirty="0"/>
+              <a:t>Takže informace „just in </a:t>
+            </a:r>
+            <a:r>
+              <a:rPr lang="cs-CZ" dirty="0" err="1"/>
+              <a:t>time</a:t>
+            </a:r>
+            <a:r>
+              <a:rPr lang="cs-CZ" dirty="0"/>
+              <a:t>“ a najdu si dokumentaci/návod </a:t>
+            </a:r>
+            <a:br>
+              <a:rPr lang="cs-CZ" dirty="0"/>
+            </a:br>
+            <a:endParaRPr lang="cs-CZ" b="1" i="1" dirty="0"/>
+          </a:p>
+        </p:txBody>
+      </p:sp>
+    </p:spTree>
+    <p:extLst>
+      <p:ext uri="{BB962C8B-B14F-4D97-AF65-F5344CB8AC3E}">
+        <p14:creationId xmlns:p14="http://schemas.microsoft.com/office/powerpoint/2010/main" val="2130500304"/>
+      </p:ext>
+    </p:extLst>
+  </p:cSld>
+  <p:clrMapOvr>
+    <a:masterClrMapping/>
+  </p:clrMapOvr>
+</p:sld>
+</file>
+
+<file path=ppt/slides/slide22.xml><?xml version="1.0" encoding="utf-8"?>
+<p:sld xmlns:a="http://schemas.openxmlformats.org/drawingml/2006/main" xmlns:r="http://schemas.openxmlformats.org/officeDocument/2006/relationships" xmlns:p="http://schemas.openxmlformats.org/presentationml/2006/main">
+  <p:cSld>
+    <p:spTree>
+      <p:nvGrpSpPr>
+        <p:cNvPr id="1" name=""/>
+        <p:cNvGrpSpPr/>
+        <p:nvPr/>
+      </p:nvGrpSpPr>
+      <p:grpSpPr>
+        <a:xfrm>
+          <a:off x="0" y="0"/>
+          <a:ext cx="0" cy="0"/>
+          <a:chOff x="0" y="0"/>
+          <a:chExt cx="0" cy="0"/>
+        </a:xfrm>
+      </p:grpSpPr>
+      <p:sp>
+        <p:nvSpPr>
+          <p:cNvPr id="2" name="Nadpis 1">
+            <a:extLst>
+              <a:ext uri="{FF2B5EF4-FFF2-40B4-BE49-F238E27FC236}">
                 <a16:creationId xmlns:a16="http://schemas.microsoft.com/office/drawing/2014/main" id="{0BBEE275-D23D-4E60-AC90-205CB1F1789B}"/>
               </a:ext>
             </a:extLst>
@@ -5625,7 +5757,7 @@
 </p:sld>
 </file>
 
-<file path=ppt/slides/slide22.xml><?xml version="1.0" encoding="utf-8"?>
+<file path=ppt/slides/slide23.xml><?xml version="1.0" encoding="utf-8"?>
 <p:sld xmlns:a="http://schemas.openxmlformats.org/drawingml/2006/main" xmlns:r="http://schemas.openxmlformats.org/officeDocument/2006/relationships" xmlns:p="http://schemas.openxmlformats.org/presentationml/2006/main">
   <p:cSld>
     <p:spTree>
@@ -5732,94 +5864,6 @@
 </p:sld>
 </file>
 
-<file path=ppt/slides/slide23.xml><?xml version="1.0" encoding="utf-8"?>
-<p:sld xmlns:a="http://schemas.openxmlformats.org/drawingml/2006/main" xmlns:r="http://schemas.openxmlformats.org/officeDocument/2006/relationships" xmlns:p="http://schemas.openxmlformats.org/presentationml/2006/main">
-  <p:cSld>
-    <p:spTree>
-      <p:nvGrpSpPr>
-        <p:cNvPr id="1" name=""/>
-        <p:cNvGrpSpPr/>
-        <p:nvPr/>
-      </p:nvGrpSpPr>
-      <p:grpSpPr>
-        <a:xfrm>
-          <a:off x="0" y="0"/>
-          <a:ext cx="0" cy="0"/>
-          <a:chOff x="0" y="0"/>
-          <a:chExt cx="0" cy="0"/>
-        </a:xfrm>
-      </p:grpSpPr>
-      <p:sp>
-        <p:nvSpPr>
-          <p:cNvPr id="2" name="Nadpis 1">
-            <a:extLst>
-              <a:ext uri="{FF2B5EF4-FFF2-40B4-BE49-F238E27FC236}">
-                <a16:creationId xmlns:a16="http://schemas.microsoft.com/office/drawing/2014/main" id="{230CB59E-3A1E-4E37-9B54-EBE2ED608FBE}"/>
-              </a:ext>
-            </a:extLst>
-          </p:cNvPr>
-          <p:cNvSpPr>
-            <a:spLocks noGrp="1"/>
-          </p:cNvSpPr>
-          <p:nvPr>
-            <p:ph type="title"/>
-          </p:nvPr>
-        </p:nvSpPr>
-        <p:spPr>
-          <a:xfrm>
-            <a:off x="838200" y="365125"/>
-            <a:ext cx="10515600" cy="5730875"/>
-          </a:xfrm>
-        </p:spPr>
-        <p:txBody>
-          <a:bodyPr>
-            <a:normAutofit/>
-          </a:bodyPr>
-          <a:lstStyle/>
-          <a:p>
-            <a:pPr algn="ctr"/>
-            <a:r>
-              <a:rPr lang="cs-CZ" b="1" i="1" dirty="0"/>
-              <a:t>Důležitý </a:t>
-            </a:r>
-            <a:r>
-              <a:rPr lang="cs-CZ" b="1" i="1" dirty="0" err="1"/>
-              <a:t>skill</a:t>
-            </a:r>
-            <a:r>
-              <a:rPr lang="cs-CZ" b="1" i="1" dirty="0"/>
-              <a:t> n°2</a:t>
-            </a:r>
-            <a:br>
-              <a:rPr lang="cs-CZ" dirty="0"/>
-            </a:br>
-            <a:r>
-              <a:rPr lang="cs-CZ" dirty="0"/>
-              <a:t>Rozložím si problém na kousíčky a ty začnu postupně řešit</a:t>
-            </a:r>
-            <a:br>
-              <a:rPr lang="cs-CZ" dirty="0"/>
-            </a:br>
-            <a:r>
-              <a:rPr lang="cs-CZ" dirty="0"/>
-              <a:t>(kousek po kousku)</a:t>
-            </a:r>
-          </a:p>
-        </p:txBody>
-      </p:sp>
-    </p:spTree>
-    <p:extLst>
-      <p:ext uri="{BB962C8B-B14F-4D97-AF65-F5344CB8AC3E}">
-        <p14:creationId xmlns:p14="http://schemas.microsoft.com/office/powerpoint/2010/main" val="3661274310"/>
-      </p:ext>
-    </p:extLst>
-  </p:cSld>
-  <p:clrMapOvr>
-    <a:masterClrMapping/>
-  </p:clrMapOvr>
-</p:sld>
-</file>
-
 <file path=ppt/slides/slide24.xml><?xml version="1.0" encoding="utf-8"?>
 <p:sld xmlns:a="http://schemas.openxmlformats.org/drawingml/2006/main" xmlns:r="http://schemas.openxmlformats.org/officeDocument/2006/relationships" xmlns:p="http://schemas.openxmlformats.org/presentationml/2006/main">
   <p:cSld>
@@ -5842,7 +5886,7 @@
           <p:cNvPr id="2" name="Nadpis 1">
             <a:extLst>
               <a:ext uri="{FF2B5EF4-FFF2-40B4-BE49-F238E27FC236}">
-                <a16:creationId xmlns:a16="http://schemas.microsoft.com/office/drawing/2014/main" id="{A176ACA1-DBBC-4B3C-B7AF-C9B2627DC61E}"/>
+                <a16:creationId xmlns:a16="http://schemas.microsoft.com/office/drawing/2014/main" id="{230CB59E-3A1E-4E37-9B54-EBE2ED608FBE}"/>
               </a:ext>
             </a:extLst>
           </p:cNvPr>
@@ -5856,17 +5900,41 @@
         <p:spPr>
           <a:xfrm>
             <a:off x="838200" y="365125"/>
-            <a:ext cx="10515600" cy="6192693"/>
+            <a:ext cx="10515600" cy="5730875"/>
           </a:xfrm>
         </p:spPr>
         <p:txBody>
-          <a:bodyPr/>
+          <a:bodyPr>
+            <a:normAutofit/>
+          </a:bodyPr>
           <a:lstStyle/>
           <a:p>
             <a:pPr algn="ctr"/>
             <a:r>
-              <a:rPr lang="cs-CZ" dirty="0"/>
-              <a:t>Víte co je GIGO?</a:t>
+              <a:rPr lang="cs-CZ" b="1" i="1" dirty="0"/>
+              <a:t>Důležitý </a:t>
+            </a:r>
+            <a:r>
+              <a:rPr lang="cs-CZ" b="1" i="1" dirty="0" err="1"/>
+              <a:t>skill</a:t>
+            </a:r>
+            <a:r>
+              <a:rPr lang="cs-CZ" b="1" i="1" dirty="0"/>
+              <a:t> n°2</a:t>
+            </a:r>
+            <a:br>
+              <a:rPr lang="cs-CZ" dirty="0"/>
+            </a:br>
+            <a:r>
+              <a:rPr lang="cs-CZ" dirty="0"/>
+              <a:t>Rozložím si problém na kousíčky a ty začnu postupně řešit</a:t>
+            </a:r>
+            <a:br>
+              <a:rPr lang="cs-CZ" dirty="0"/>
+            </a:br>
+            <a:r>
+              <a:rPr lang="cs-CZ" dirty="0"/>
+              <a:t>(kousek po kousku)</a:t>
             </a:r>
           </a:p>
         </p:txBody>
@@ -5874,7 +5942,7 @@
     </p:spTree>
     <p:extLst>
       <p:ext uri="{BB962C8B-B14F-4D97-AF65-F5344CB8AC3E}">
-        <p14:creationId xmlns:p14="http://schemas.microsoft.com/office/powerpoint/2010/main" val="4200753210"/>
+        <p14:creationId xmlns:p14="http://schemas.microsoft.com/office/powerpoint/2010/main" val="3661274310"/>
       </p:ext>
     </p:extLst>
   </p:cSld>
@@ -5906,7 +5974,7 @@
           <p:cNvPr id="2" name="Nadpis 1">
             <a:extLst>
               <a:ext uri="{FF2B5EF4-FFF2-40B4-BE49-F238E27FC236}">
-                <a16:creationId xmlns:a16="http://schemas.microsoft.com/office/drawing/2014/main" id="{2DCF5758-827D-4D6D-8DB6-245AEBFB13BB}"/>
+                <a16:creationId xmlns:a16="http://schemas.microsoft.com/office/drawing/2014/main" id="{A176ACA1-DBBC-4B3C-B7AF-C9B2627DC61E}"/>
               </a:ext>
             </a:extLst>
           </p:cNvPr>
@@ -5920,7 +5988,7 @@
         <p:spPr>
           <a:xfrm>
             <a:off x="838200" y="365125"/>
-            <a:ext cx="10515600" cy="5989493"/>
+            <a:ext cx="10515600" cy="6192693"/>
           </a:xfrm>
         </p:spPr>
         <p:txBody>
@@ -5930,46 +5998,7 @@
             <a:pPr algn="ctr"/>
             <a:r>
               <a:rPr lang="cs-CZ" dirty="0"/>
-              <a:t>„</a:t>
-            </a:r>
-            <a:r>
-              <a:rPr lang="cs-CZ" dirty="0" err="1"/>
-              <a:t>Garbage</a:t>
-            </a:r>
-            <a:r>
-              <a:rPr lang="cs-CZ" dirty="0"/>
-              <a:t> in, </a:t>
-            </a:r>
-            <a:r>
-              <a:rPr lang="cs-CZ" dirty="0" err="1"/>
-              <a:t>garbage</a:t>
-            </a:r>
-            <a:r>
-              <a:rPr lang="cs-CZ" dirty="0"/>
-              <a:t> out“</a:t>
-            </a:r>
-            <a:br>
-              <a:rPr lang="cs-CZ" dirty="0"/>
-            </a:br>
-            <a:r>
-              <a:rPr lang="cs-CZ" dirty="0"/>
-              <a:t>„</a:t>
-            </a:r>
-            <a:r>
-              <a:rPr lang="cs-CZ" dirty="0" err="1"/>
-              <a:t>Shit</a:t>
-            </a:r>
-            <a:r>
-              <a:rPr lang="cs-CZ" dirty="0"/>
-              <a:t> in, </a:t>
-            </a:r>
-            <a:r>
-              <a:rPr lang="cs-CZ" dirty="0" err="1"/>
-              <a:t>shit</a:t>
-            </a:r>
-            <a:r>
-              <a:rPr lang="cs-CZ" dirty="0"/>
-              <a:t> out“</a:t>
+              <a:t>Víte co je GIGO?</a:t>
             </a:r>
           </a:p>
         </p:txBody>
@@ -5977,7 +6006,7 @@
     </p:spTree>
     <p:extLst>
       <p:ext uri="{BB962C8B-B14F-4D97-AF65-F5344CB8AC3E}">
-        <p14:creationId xmlns:p14="http://schemas.microsoft.com/office/powerpoint/2010/main" val="2748937232"/>
+        <p14:creationId xmlns:p14="http://schemas.microsoft.com/office/powerpoint/2010/main" val="4200753210"/>
       </p:ext>
     </p:extLst>
   </p:cSld>
@@ -6009,7 +6038,7 @@
           <p:cNvPr id="2" name="Nadpis 1">
             <a:extLst>
               <a:ext uri="{FF2B5EF4-FFF2-40B4-BE49-F238E27FC236}">
-                <a16:creationId xmlns:a16="http://schemas.microsoft.com/office/drawing/2014/main" id="{9E7CBAB5-0448-439F-AFD1-1C94569A73F5}"/>
+                <a16:creationId xmlns:a16="http://schemas.microsoft.com/office/drawing/2014/main" id="{2DCF5758-827D-4D6D-8DB6-245AEBFB13BB}"/>
               </a:ext>
             </a:extLst>
           </p:cNvPr>
@@ -6023,7 +6052,7 @@
         <p:spPr>
           <a:xfrm>
             <a:off x="838200" y="365125"/>
-            <a:ext cx="10515600" cy="6340475"/>
+            <a:ext cx="10515600" cy="5989493"/>
           </a:xfrm>
         </p:spPr>
         <p:txBody>
@@ -6033,19 +6062,19 @@
             <a:pPr algn="ctr"/>
             <a:r>
               <a:rPr lang="cs-CZ" dirty="0"/>
-              <a:t>Pokud nepochopím zadání a nemám jasno co se po mě chce tak je to „</a:t>
+              <a:t>„</a:t>
             </a:r>
             <a:r>
               <a:rPr lang="cs-CZ" dirty="0" err="1"/>
-              <a:t>Garbige</a:t>
-            </a:r>
-            <a:r>
-              <a:rPr lang="cs-CZ" dirty="0"/>
-              <a:t> in“ a pravděpodobně to bude i „</a:t>
+              <a:t>Garbage</a:t>
+            </a:r>
+            <a:r>
+              <a:rPr lang="cs-CZ" dirty="0"/>
+              <a:t> in, </a:t>
             </a:r>
             <a:r>
               <a:rPr lang="cs-CZ" dirty="0" err="1"/>
-              <a:t>Garbige</a:t>
+              <a:t>garbage</a:t>
             </a:r>
             <a:r>
               <a:rPr lang="cs-CZ" dirty="0"/>
@@ -6054,12 +6083,25 @@
             <a:br>
               <a:rPr lang="cs-CZ" dirty="0"/>
             </a:br>
-            <a:br>
-              <a:rPr lang="cs-CZ" dirty="0"/>
-            </a:br>
-            <a:r>
-              <a:rPr lang="cs-CZ" b="1" dirty="0"/>
-              <a:t>Ujasněte si co zákazník chce!</a:t>
+            <a:r>
+              <a:rPr lang="cs-CZ" dirty="0"/>
+              <a:t>„</a:t>
+            </a:r>
+            <a:r>
+              <a:rPr lang="cs-CZ" dirty="0" err="1"/>
+              <a:t>Shit</a:t>
+            </a:r>
+            <a:r>
+              <a:rPr lang="cs-CZ" dirty="0"/>
+              <a:t> in, </a:t>
+            </a:r>
+            <a:r>
+              <a:rPr lang="cs-CZ" dirty="0" err="1"/>
+              <a:t>shit</a:t>
+            </a:r>
+            <a:r>
+              <a:rPr lang="cs-CZ" dirty="0"/>
+              <a:t> out“</a:t>
             </a:r>
           </a:p>
         </p:txBody>
@@ -6067,7 +6109,7 @@
     </p:spTree>
     <p:extLst>
       <p:ext uri="{BB962C8B-B14F-4D97-AF65-F5344CB8AC3E}">
-        <p14:creationId xmlns:p14="http://schemas.microsoft.com/office/powerpoint/2010/main" val="2961352504"/>
+        <p14:creationId xmlns:p14="http://schemas.microsoft.com/office/powerpoint/2010/main" val="2748937232"/>
       </p:ext>
     </p:extLst>
   </p:cSld>
@@ -6099,7 +6141,7 @@
           <p:cNvPr id="2" name="Nadpis 1">
             <a:extLst>
               <a:ext uri="{FF2B5EF4-FFF2-40B4-BE49-F238E27FC236}">
-                <a16:creationId xmlns:a16="http://schemas.microsoft.com/office/drawing/2014/main" id="{93172F86-B994-42E1-A601-F021D801CD10}"/>
+                <a16:creationId xmlns:a16="http://schemas.microsoft.com/office/drawing/2014/main" id="{9E7CBAB5-0448-439F-AFD1-1C94569A73F5}"/>
               </a:ext>
             </a:extLst>
           </p:cNvPr>
@@ -6113,7 +6155,7 @@
         <p:spPr>
           <a:xfrm>
             <a:off x="838200" y="365125"/>
-            <a:ext cx="10515600" cy="6007966"/>
+            <a:ext cx="10515600" cy="6340475"/>
           </a:xfrm>
         </p:spPr>
         <p:txBody>
@@ -6123,15 +6165,33 @@
             <a:pPr algn="ctr"/>
             <a:r>
               <a:rPr lang="cs-CZ" dirty="0"/>
-              <a:t>„Ale zas pozor je to </a:t>
+              <a:t>Pokud nepochopím zadání a nemám jasno co se po mě chce tak je to „</a:t>
             </a:r>
             <a:r>
               <a:rPr lang="cs-CZ" dirty="0" err="1"/>
-              <a:t>tricky</a:t>
-            </a:r>
-            <a:r>
-              <a:rPr lang="cs-CZ" dirty="0"/>
-              <a:t>, nemůžete zákazníka pořád otravovat“</a:t>
+              <a:t>Garbige</a:t>
+            </a:r>
+            <a:r>
+              <a:rPr lang="cs-CZ" dirty="0"/>
+              <a:t> in“ a pravděpodobně to bude i „</a:t>
+            </a:r>
+            <a:r>
+              <a:rPr lang="cs-CZ" dirty="0" err="1"/>
+              <a:t>Garbige</a:t>
+            </a:r>
+            <a:r>
+              <a:rPr lang="cs-CZ" dirty="0"/>
+              <a:t> out“</a:t>
+            </a:r>
+            <a:br>
+              <a:rPr lang="cs-CZ" dirty="0"/>
+            </a:br>
+            <a:br>
+              <a:rPr lang="cs-CZ" dirty="0"/>
+            </a:br>
+            <a:r>
+              <a:rPr lang="cs-CZ" b="1" dirty="0"/>
+              <a:t>Ujasněte si co zákazník chce!</a:t>
             </a:r>
           </a:p>
         </p:txBody>
@@ -6139,7 +6199,7 @@
     </p:spTree>
     <p:extLst>
       <p:ext uri="{BB962C8B-B14F-4D97-AF65-F5344CB8AC3E}">
-        <p14:creationId xmlns:p14="http://schemas.microsoft.com/office/powerpoint/2010/main" val="265166948"/>
+        <p14:creationId xmlns:p14="http://schemas.microsoft.com/office/powerpoint/2010/main" val="2961352504"/>
       </p:ext>
     </p:extLst>
   </p:cSld>
@@ -6171,7 +6231,7 @@
           <p:cNvPr id="2" name="Nadpis 1">
             <a:extLst>
               <a:ext uri="{FF2B5EF4-FFF2-40B4-BE49-F238E27FC236}">
-                <a16:creationId xmlns:a16="http://schemas.microsoft.com/office/drawing/2014/main" id="{3BA0D6BF-6FC3-4169-8B91-5DE8B9015E8F}"/>
+                <a16:creationId xmlns:a16="http://schemas.microsoft.com/office/drawing/2014/main" id="{93172F86-B994-42E1-A601-F021D801CD10}"/>
               </a:ext>
             </a:extLst>
           </p:cNvPr>
@@ -6185,70 +6245,33 @@
         <p:spPr>
           <a:xfrm>
             <a:off x="838200" y="365125"/>
-            <a:ext cx="10515600" cy="6248111"/>
+            <a:ext cx="10515600" cy="6007966"/>
           </a:xfrm>
         </p:spPr>
         <p:txBody>
-          <a:bodyPr>
-            <a:normAutofit/>
-          </a:bodyPr>
+          <a:bodyPr/>
           <a:lstStyle/>
           <a:p>
             <a:pPr algn="ctr"/>
             <a:r>
-              <a:rPr lang="cs-CZ" b="1" dirty="0"/>
-              <a:t>IT je za mě o řešení problémů </a:t>
-            </a:r>
-            <a:br>
-              <a:rPr lang="cs-CZ" dirty="0"/>
-            </a:br>
-            <a:r>
-              <a:rPr lang="cs-CZ" dirty="0"/>
-              <a:t>a máme k tomu digitální nástroje, které nám je pomáhají je řešit</a:t>
-            </a:r>
-            <a:br>
-              <a:rPr lang="cs-CZ" dirty="0"/>
-            </a:br>
-            <a:br>
-              <a:rPr lang="cs-CZ" dirty="0"/>
-            </a:br>
-            <a:r>
-              <a:rPr lang="cs-CZ" i="1" dirty="0"/>
-              <a:t>informace „just in </a:t>
-            </a:r>
-            <a:r>
-              <a:rPr lang="cs-CZ" i="1" dirty="0" err="1"/>
-              <a:t>time</a:t>
-            </a:r>
-            <a:r>
-              <a:rPr lang="cs-CZ" i="1" dirty="0"/>
-              <a:t>“</a:t>
-            </a:r>
-            <a:br>
-              <a:rPr lang="cs-CZ" i="1" dirty="0"/>
-            </a:br>
-            <a:r>
-              <a:rPr lang="cs-CZ" i="1" dirty="0"/>
-              <a:t>Problém rozložíme na kousky</a:t>
-            </a:r>
-            <a:br>
-              <a:rPr lang="cs-CZ" i="1" dirty="0"/>
-            </a:br>
-            <a:r>
-              <a:rPr lang="cs-CZ" i="1" dirty="0"/>
-              <a:t>Bacha na GIGO</a:t>
-            </a:r>
-            <a:br>
-              <a:rPr lang="cs-CZ" dirty="0"/>
-            </a:br>
-            <a:endParaRPr lang="cs-CZ" dirty="0"/>
+              <a:rPr lang="cs-CZ" dirty="0"/>
+              <a:t>„Ale zas pozor je to </a:t>
+            </a:r>
+            <a:r>
+              <a:rPr lang="cs-CZ" dirty="0" err="1"/>
+              <a:t>tricky</a:t>
+            </a:r>
+            <a:r>
+              <a:rPr lang="cs-CZ" dirty="0"/>
+              <a:t>, nemůžete zákazníka pořád otravovat“</a:t>
+            </a:r>
           </a:p>
         </p:txBody>
       </p:sp>
     </p:spTree>
     <p:extLst>
       <p:ext uri="{BB962C8B-B14F-4D97-AF65-F5344CB8AC3E}">
-        <p14:creationId xmlns:p14="http://schemas.microsoft.com/office/powerpoint/2010/main" val="2554039049"/>
+        <p14:creationId xmlns:p14="http://schemas.microsoft.com/office/powerpoint/2010/main" val="265166948"/>
       </p:ext>
     </p:extLst>
   </p:cSld>
@@ -6280,67 +6303,84 @@
           <p:cNvPr id="2" name="Nadpis 1">
             <a:extLst>
               <a:ext uri="{FF2B5EF4-FFF2-40B4-BE49-F238E27FC236}">
-                <a16:creationId xmlns:a16="http://schemas.microsoft.com/office/drawing/2014/main" id="{FFE039BF-954F-485F-931D-F5E80CDD2109}"/>
-              </a:ext>
-            </a:extLst>
-          </p:cNvPr>
-          <p:cNvSpPr>
-            <a:spLocks noGrp="1"/>
-          </p:cNvSpPr>
-          <p:nvPr>
-            <p:ph type="ctrTitle"/>
-          </p:nvPr>
-        </p:nvSpPr>
-        <p:spPr/>
-        <p:txBody>
-          <a:bodyPr/>
-          <a:lstStyle/>
-          <a:p>
-            <a:r>
-              <a:rPr lang="cs-CZ" dirty="0"/>
-              <a:t>Z replikujte BP/DP</a:t>
-            </a:r>
-          </a:p>
-        </p:txBody>
-      </p:sp>
-      <p:sp>
-        <p:nvSpPr>
-          <p:cNvPr id="3" name="Podnadpis 2">
-            <a:extLst>
-              <a:ext uri="{FF2B5EF4-FFF2-40B4-BE49-F238E27FC236}">
-                <a16:creationId xmlns:a16="http://schemas.microsoft.com/office/drawing/2014/main" id="{61003FA3-23DC-41CC-BC3D-6661AEA462D2}"/>
-              </a:ext>
-            </a:extLst>
-          </p:cNvPr>
-          <p:cNvSpPr>
-            <a:spLocks noGrp="1"/>
-          </p:cNvSpPr>
-          <p:nvPr>
-            <p:ph type="subTitle" idx="1"/>
-          </p:nvPr>
-        </p:nvSpPr>
-        <p:spPr/>
-        <p:txBody>
-          <a:bodyPr/>
-          <a:lstStyle/>
-          <a:p>
-            <a:r>
-              <a:rPr lang="cs-CZ" dirty="0"/>
-              <a:t>První projekt z replikujte něčí BP/DP</a:t>
-            </a:r>
-          </a:p>
-          <a:p>
-            <a:r>
-              <a:rPr lang="cs-CZ" dirty="0"/>
-              <a:t>Aktivita cca 20-30 minut</a:t>
-            </a:r>
+                <a16:creationId xmlns:a16="http://schemas.microsoft.com/office/drawing/2014/main" id="{3BA0D6BF-6FC3-4169-8B91-5DE8B9015E8F}"/>
+              </a:ext>
+            </a:extLst>
+          </p:cNvPr>
+          <p:cNvSpPr>
+            <a:spLocks noGrp="1"/>
+          </p:cNvSpPr>
+          <p:nvPr>
+            <p:ph type="title"/>
+          </p:nvPr>
+        </p:nvSpPr>
+        <p:spPr>
+          <a:xfrm>
+            <a:off x="838200" y="365125"/>
+            <a:ext cx="10515600" cy="6248111"/>
+          </a:xfrm>
+        </p:spPr>
+        <p:txBody>
+          <a:bodyPr>
+            <a:normAutofit/>
+          </a:bodyPr>
+          <a:lstStyle/>
+          <a:p>
+            <a:pPr algn="ctr"/>
+            <a:r>
+              <a:rPr lang="cs-CZ" b="1" dirty="0"/>
+              <a:t>IT je za mě o řešení problémů </a:t>
+            </a:r>
+            <a:br>
+              <a:rPr lang="cs-CZ" dirty="0"/>
+            </a:br>
+            <a:r>
+              <a:rPr lang="cs-CZ" dirty="0"/>
+              <a:t>a máme k tomu digitální nástroje, které nám je pomáhají je řešit</a:t>
+            </a:r>
+            <a:br>
+              <a:rPr lang="cs-CZ" dirty="0"/>
+            </a:br>
+            <a:br>
+              <a:rPr lang="cs-CZ" dirty="0"/>
+            </a:br>
+            <a:r>
+              <a:rPr lang="cs-CZ" i="1" dirty="0"/>
+              <a:t>informace „just in </a:t>
+            </a:r>
+            <a:r>
+              <a:rPr lang="cs-CZ" i="1" dirty="0" err="1"/>
+              <a:t>time</a:t>
+            </a:r>
+            <a:r>
+              <a:rPr lang="cs-CZ" i="1" dirty="0"/>
+              <a:t>“</a:t>
+            </a:r>
+            <a:br>
+              <a:rPr lang="cs-CZ" i="1" dirty="0"/>
+            </a:br>
+            <a:r>
+              <a:rPr lang="cs-CZ" i="1" dirty="0"/>
+              <a:t>Problém rozložíme na kousky</a:t>
+            </a:r>
+            <a:br>
+              <a:rPr lang="cs-CZ" i="1" dirty="0"/>
+            </a:br>
+            <a:r>
+              <a:rPr lang="cs-CZ" i="1" dirty="0"/>
+              <a:t>Bacha na GIGO</a:t>
+            </a:r>
+            <a:br>
+              <a:rPr lang="cs-CZ" dirty="0"/>
+            </a:br>
+            <a:endParaRPr lang="cs-CZ" dirty="0"/>
           </a:p>
         </p:txBody>
       </p:sp>
     </p:spTree>
     <p:extLst>
       <p:ext uri="{BB962C8B-B14F-4D97-AF65-F5344CB8AC3E}">
-        <p14:creationId xmlns:p14="http://schemas.microsoft.com/office/powerpoint/2010/main" val="2568660837"/>
+        <p14:creationId xmlns:p14="http://schemas.microsoft.com/office/powerpoint/2010/main" val="2554039049"/>
       </p:ext>
     </p:extLst>
   </p:cSld>
@@ -6372,7 +6412,7 @@
           <p:cNvPr id="2" name="Nadpis 1">
             <a:extLst>
               <a:ext uri="{FF2B5EF4-FFF2-40B4-BE49-F238E27FC236}">
-                <a16:creationId xmlns:a16="http://schemas.microsoft.com/office/drawing/2014/main" id="{A3617A60-4CAB-441C-A74F-13C0A29DE680}"/>
+                <a16:creationId xmlns:a16="http://schemas.microsoft.com/office/drawing/2014/main" id="{B911C1B7-1E40-4F23-A3F8-C75E2E99CC5B}"/>
               </a:ext>
             </a:extLst>
           </p:cNvPr>
@@ -6390,82 +6430,72 @@
           <a:p>
             <a:r>
               <a:rPr lang="cs-CZ" dirty="0"/>
-              <a:t>Obsah předmětu</a:t>
-            </a:r>
-          </a:p>
-        </p:txBody>
-      </p:sp>
-      <p:pic>
-        <p:nvPicPr>
-          <p:cNvPr id="5" name="Zástupný obsah 4">
-            <a:extLst>
-              <a:ext uri="{FF2B5EF4-FFF2-40B4-BE49-F238E27FC236}">
-                <a16:creationId xmlns:a16="http://schemas.microsoft.com/office/drawing/2014/main" id="{07217C44-DE92-45C0-B2FD-58BF906EEB65}"/>
-              </a:ext>
-            </a:extLst>
-          </p:cNvPr>
-          <p:cNvPicPr>
-            <a:picLocks noGrp="1" noChangeAspect="1"/>
-          </p:cNvPicPr>
+              <a:t>Zápočet	</a:t>
+            </a:r>
+          </a:p>
+        </p:txBody>
+      </p:sp>
+      <p:sp>
+        <p:nvSpPr>
+          <p:cNvPr id="3" name="Zástupný obsah 2">
+            <a:extLst>
+              <a:ext uri="{FF2B5EF4-FFF2-40B4-BE49-F238E27FC236}">
+                <a16:creationId xmlns:a16="http://schemas.microsoft.com/office/drawing/2014/main" id="{F912A66B-B924-40F1-B9B8-9B2273ED40EA}"/>
+              </a:ext>
+            </a:extLst>
+          </p:cNvPr>
+          <p:cNvSpPr>
+            <a:spLocks noGrp="1"/>
+          </p:cNvSpPr>
           <p:nvPr>
             <p:ph idx="1"/>
           </p:nvPr>
-        </p:nvPicPr>
-        <p:blipFill>
-          <a:blip r:embed="rId2"/>
-          <a:stretch>
-            <a:fillRect/>
-          </a:stretch>
-        </p:blipFill>
-        <p:spPr>
-          <a:xfrm>
-            <a:off x="894624" y="1875418"/>
-            <a:ext cx="10402752" cy="2124371"/>
-          </a:xfrm>
-        </p:spPr>
-      </p:pic>
-      <p:sp>
-        <p:nvSpPr>
-          <p:cNvPr id="6" name="TextovéPole 5">
-            <a:extLst>
-              <a:ext uri="{FF2B5EF4-FFF2-40B4-BE49-F238E27FC236}">
-                <a16:creationId xmlns:a16="http://schemas.microsoft.com/office/drawing/2014/main" id="{A347D2EA-CDF6-45FA-BA69-90411726AC25}"/>
-              </a:ext>
-            </a:extLst>
-          </p:cNvPr>
-          <p:cNvSpPr txBox="1"/>
-          <p:nvPr/>
-        </p:nvSpPr>
-        <p:spPr>
-          <a:xfrm>
-            <a:off x="993121" y="1506022"/>
-            <a:ext cx="7623111" cy="369332"/>
-          </a:xfrm>
-          <a:prstGeom prst="rect">
-            <a:avLst/>
-          </a:prstGeom>
-          <a:noFill/>
-        </p:spPr>
-        <p:txBody>
-          <a:bodyPr wrap="square" rtlCol="0">
-            <a:spAutoFit/>
-          </a:bodyPr>
-          <a:lstStyle/>
-          <a:p>
-            <a:r>
-              <a:rPr lang="cs-CZ" dirty="0">
-                <a:hlinkClick r:id="rId3"/>
-              </a:rPr>
-              <a:t>STAG</a:t>
-            </a:r>
+        </p:nvSpPr>
+        <p:spPr/>
+        <p:txBody>
+          <a:bodyPr/>
+          <a:lstStyle/>
+          <a:p>
+            <a:r>
+              <a:rPr lang="cs-CZ" dirty="0"/>
+              <a:t>Je to předmět za 2 kredity (ECTS)</a:t>
+            </a:r>
+          </a:p>
+          <a:p>
+            <a:r>
+              <a:rPr lang="cs-CZ" dirty="0"/>
+              <a:t>Takže to nechci nějak „Try-</a:t>
+            </a:r>
+            <a:r>
+              <a:rPr lang="cs-CZ" dirty="0" err="1"/>
+              <a:t>hardid</a:t>
+            </a:r>
+            <a:r>
+              <a:rPr lang="cs-CZ" dirty="0"/>
+              <a:t>“</a:t>
+            </a:r>
+          </a:p>
+          <a:p>
             <a:endParaRPr lang="cs-CZ" dirty="0"/>
+          </a:p>
+          <a:p>
+            <a:r>
+              <a:rPr lang="cs-CZ" dirty="0"/>
+              <a:t>Odevzdáte mi/ukážete projekty co tu budeme dělat.</a:t>
+            </a:r>
+          </a:p>
+          <a:p>
+            <a:r>
+              <a:rPr lang="cs-CZ" dirty="0"/>
+              <a:t>Musíte být aktivní</a:t>
+            </a:r>
           </a:p>
         </p:txBody>
       </p:sp>
     </p:spTree>
     <p:extLst>
       <p:ext uri="{BB962C8B-B14F-4D97-AF65-F5344CB8AC3E}">
-        <p14:creationId xmlns:p14="http://schemas.microsoft.com/office/powerpoint/2010/main" val="3882762468"/>
+        <p14:creationId xmlns:p14="http://schemas.microsoft.com/office/powerpoint/2010/main" val="34763863"/>
       </p:ext>
     </p:extLst>
   </p:cSld>
@@ -6497,15 +6527,15 @@
           <p:cNvPr id="2" name="Nadpis 1">
             <a:extLst>
               <a:ext uri="{FF2B5EF4-FFF2-40B4-BE49-F238E27FC236}">
-                <a16:creationId xmlns:a16="http://schemas.microsoft.com/office/drawing/2014/main" id="{6565D280-85A5-455E-A14F-2CEB23B3B7F1}"/>
-              </a:ext>
-            </a:extLst>
-          </p:cNvPr>
-          <p:cNvSpPr>
-            <a:spLocks noGrp="1"/>
-          </p:cNvSpPr>
-          <p:nvPr>
-            <p:ph type="title"/>
+                <a16:creationId xmlns:a16="http://schemas.microsoft.com/office/drawing/2014/main" id="{FFE039BF-954F-485F-931D-F5E80CDD2109}"/>
+              </a:ext>
+            </a:extLst>
+          </p:cNvPr>
+          <p:cNvSpPr>
+            <a:spLocks noGrp="1"/>
+          </p:cNvSpPr>
+          <p:nvPr>
+            <p:ph type="ctrTitle"/>
           </p:nvPr>
         </p:nvSpPr>
         <p:spPr/>
@@ -6515,25 +6545,25 @@
           <a:p>
             <a:r>
               <a:rPr lang="cs-CZ" dirty="0"/>
-              <a:t>Zadání:	</a:t>
-            </a:r>
-          </a:p>
-        </p:txBody>
-      </p:sp>
-      <p:sp>
-        <p:nvSpPr>
-          <p:cNvPr id="3" name="Zástupný obsah 2">
-            <a:extLst>
-              <a:ext uri="{FF2B5EF4-FFF2-40B4-BE49-F238E27FC236}">
-                <a16:creationId xmlns:a16="http://schemas.microsoft.com/office/drawing/2014/main" id="{7D1C0002-5D33-4C61-961F-0219BE07EA1D}"/>
-              </a:ext>
-            </a:extLst>
-          </p:cNvPr>
-          <p:cNvSpPr>
-            <a:spLocks noGrp="1"/>
-          </p:cNvSpPr>
-          <p:nvPr>
-            <p:ph idx="1"/>
+              <a:t>Z replikujte BP/DP</a:t>
+            </a:r>
+          </a:p>
+        </p:txBody>
+      </p:sp>
+      <p:sp>
+        <p:nvSpPr>
+          <p:cNvPr id="3" name="Podnadpis 2">
+            <a:extLst>
+              <a:ext uri="{FF2B5EF4-FFF2-40B4-BE49-F238E27FC236}">
+                <a16:creationId xmlns:a16="http://schemas.microsoft.com/office/drawing/2014/main" id="{61003FA3-23DC-41CC-BC3D-6661AEA462D2}"/>
+              </a:ext>
+            </a:extLst>
+          </p:cNvPr>
+          <p:cNvSpPr>
+            <a:spLocks noGrp="1"/>
+          </p:cNvSpPr>
+          <p:nvPr>
+            <p:ph type="subTitle" idx="1"/>
           </p:nvPr>
         </p:nvSpPr>
         <p:spPr/>
@@ -6543,53 +6573,13 @@
           <a:p>
             <a:r>
               <a:rPr lang="cs-CZ" dirty="0"/>
-              <a:t>Najděte BP/DP například podle oblíbeného učitele</a:t>
-            </a:r>
-          </a:p>
-          <a:p>
-            <a:r>
-              <a:rPr lang="cs-CZ" dirty="0"/>
-              <a:t>Stáhněte si práci dotyčného (</a:t>
-            </a:r>
-            <a:r>
-              <a:rPr lang="cs-CZ" dirty="0">
-                <a:hlinkClick r:id="rId2"/>
-              </a:rPr>
-              <a:t>STAG</a:t>
-            </a:r>
-            <a:r>
-              <a:rPr lang="cs-CZ" dirty="0"/>
-              <a:t>)</a:t>
-            </a:r>
-          </a:p>
-          <a:p>
-            <a:r>
-              <a:rPr lang="cs-CZ" dirty="0"/>
-              <a:t>Na webu UJEP si najděte šablonu pro Závěrečné práce</a:t>
-            </a:r>
-          </a:p>
-          <a:p>
-            <a:r>
-              <a:rPr lang="cs-CZ" dirty="0"/>
-              <a:t>Text předělejte do té šablony.</a:t>
-            </a:r>
-          </a:p>
-          <a:p>
-            <a:r>
-              <a:rPr lang="cs-CZ" dirty="0"/>
-              <a:t>Chci abyste přidali jeden obrázek minimálně</a:t>
-            </a:r>
-          </a:p>
-          <a:p>
-            <a:r>
-              <a:rPr lang="cs-CZ" dirty="0"/>
-              <a:t>Stačí prvních 5 stránek po úvodu.</a:t>
-            </a:r>
-          </a:p>
-          <a:p>
-            <a:r>
-              <a:rPr lang="cs-CZ" dirty="0"/>
-              <a:t>Pak si to zkontrolujeme</a:t>
+              <a:t>První projekt z replikujte něčí BP/DP</a:t>
+            </a:r>
+          </a:p>
+          <a:p>
+            <a:r>
+              <a:rPr lang="cs-CZ" dirty="0"/>
+              <a:t>Aktivita cca 20-30 minut</a:t>
             </a:r>
           </a:p>
         </p:txBody>
@@ -6597,7 +6587,7 @@
     </p:spTree>
     <p:extLst>
       <p:ext uri="{BB962C8B-B14F-4D97-AF65-F5344CB8AC3E}">
-        <p14:creationId xmlns:p14="http://schemas.microsoft.com/office/powerpoint/2010/main" val="2989294883"/>
+        <p14:creationId xmlns:p14="http://schemas.microsoft.com/office/powerpoint/2010/main" val="2568660837"/>
       </p:ext>
     </p:extLst>
   </p:cSld>
@@ -6629,7 +6619,7 @@
           <p:cNvPr id="2" name="Nadpis 1">
             <a:extLst>
               <a:ext uri="{FF2B5EF4-FFF2-40B4-BE49-F238E27FC236}">
-                <a16:creationId xmlns:a16="http://schemas.microsoft.com/office/drawing/2014/main" id="{52C68049-4E37-4744-BFBF-E9506DAE6202}"/>
+                <a16:creationId xmlns:a16="http://schemas.microsoft.com/office/drawing/2014/main" id="{6565D280-85A5-455E-A14F-2CEB23B3B7F1}"/>
               </a:ext>
             </a:extLst>
           </p:cNvPr>
@@ -6647,7 +6637,7 @@
           <a:p>
             <a:r>
               <a:rPr lang="cs-CZ" dirty="0"/>
-              <a:t>Citační managery</a:t>
+              <a:t>Zadání:	</a:t>
             </a:r>
           </a:p>
         </p:txBody>
@@ -6657,7 +6647,7 @@
           <p:cNvPr id="3" name="Zástupný obsah 2">
             <a:extLst>
               <a:ext uri="{FF2B5EF4-FFF2-40B4-BE49-F238E27FC236}">
-                <a16:creationId xmlns:a16="http://schemas.microsoft.com/office/drawing/2014/main" id="{EFCA9C79-9061-4F57-A0DF-FCCB9AB66D61}"/>
+                <a16:creationId xmlns:a16="http://schemas.microsoft.com/office/drawing/2014/main" id="{7D1C0002-5D33-4C61-961F-0219BE07EA1D}"/>
               </a:ext>
             </a:extLst>
           </p:cNvPr>
@@ -6674,61 +6664,54 @@
           <a:lstStyle/>
           <a:p>
             <a:r>
-              <a:rPr lang="cs-CZ" dirty="0" err="1"/>
-              <a:t>Zotero</a:t>
-            </a:r>
-            <a:r>
-              <a:rPr lang="cs-CZ" dirty="0"/>
-              <a:t>, </a:t>
-            </a:r>
-            <a:r>
-              <a:rPr lang="cs-CZ" dirty="0" err="1"/>
-              <a:t>CitacePro</a:t>
-            </a:r>
-            <a:r>
-              <a:rPr lang="cs-CZ" dirty="0"/>
-              <a:t>, </a:t>
-            </a:r>
-            <a:r>
-              <a:rPr lang="cs-CZ" dirty="0" err="1"/>
-              <a:t>Mendeley</a:t>
-            </a:r>
-            <a:r>
-              <a:rPr lang="cs-CZ" dirty="0"/>
-              <a:t>…</a:t>
-            </a:r>
-          </a:p>
-          <a:p>
-            <a:r>
-              <a:rPr lang="cs-CZ" dirty="0"/>
-              <a:t>Šetří práci s citacemi a ušetří vám tuny práce na konci.</a:t>
-            </a:r>
-          </a:p>
-          <a:p>
-            <a:r>
-              <a:rPr lang="cs-CZ" dirty="0"/>
-              <a:t>Dobré citační managery:</a:t>
-            </a:r>
-          </a:p>
-          <a:p>
-            <a:pPr lvl="1"/>
-            <a:r>
-              <a:rPr lang="cs-CZ" dirty="0"/>
-              <a:t>Podle DOI nebo ISBN vám dohledají všechny důležité údaje</a:t>
-            </a:r>
-          </a:p>
-          <a:p>
-            <a:pPr lvl="1"/>
-            <a:r>
-              <a:rPr lang="cs-CZ" dirty="0"/>
-              <a:t>Dovolí exportovat všechny citace</a:t>
-            </a:r>
-          </a:p>
-          <a:p>
-            <a:pPr lvl="1"/>
-            <a:r>
-              <a:rPr lang="cs-CZ" dirty="0"/>
-              <a:t>Organizovat a ukládat články na jedno místo</a:t>
+              <a:rPr lang="cs-CZ" dirty="0"/>
+              <a:t>Najděte BP/DP například podle oblíbeného učitele</a:t>
+            </a:r>
+          </a:p>
+          <a:p>
+            <a:r>
+              <a:rPr lang="cs-CZ" dirty="0"/>
+              <a:t>Stáhněte si práci dotyčného (</a:t>
+            </a:r>
+            <a:r>
+              <a:rPr lang="cs-CZ" dirty="0">
+                <a:hlinkClick r:id="rId2"/>
+              </a:rPr>
+              <a:t>STAG</a:t>
+            </a:r>
+            <a:r>
+              <a:rPr lang="cs-CZ" dirty="0"/>
+              <a:t>)</a:t>
+            </a:r>
+          </a:p>
+          <a:p>
+            <a:r>
+              <a:rPr lang="cs-CZ" dirty="0"/>
+              <a:t>Na webu UJEP si najděte šablonu pro Závěrečné práce</a:t>
+            </a:r>
+          </a:p>
+          <a:p>
+            <a:r>
+              <a:rPr lang="cs-CZ" dirty="0"/>
+              <a:t>Text předělejte do té šablony.</a:t>
+            </a:r>
+          </a:p>
+          <a:p>
+            <a:r>
+              <a:rPr lang="cs-CZ" dirty="0"/>
+              <a:t>Chci abyste přidali jeden obrázek minimálně</a:t>
+            </a:r>
+          </a:p>
+          <a:p>
+            <a:r>
+              <a:rPr lang="cs-CZ" dirty="0"/>
+              <a:t>Stačí prvních 5 stránek po úvodu.</a:t>
+            </a:r>
+          </a:p>
+          <a:p>
+            <a:r>
+              <a:rPr lang="cs-CZ" dirty="0"/>
+              <a:t>Pak si to zkontrolujeme</a:t>
             </a:r>
           </a:p>
         </p:txBody>
@@ -6736,7 +6719,7 @@
     </p:spTree>
     <p:extLst>
       <p:ext uri="{BB962C8B-B14F-4D97-AF65-F5344CB8AC3E}">
-        <p14:creationId xmlns:p14="http://schemas.microsoft.com/office/powerpoint/2010/main" val="1402106679"/>
+        <p14:creationId xmlns:p14="http://schemas.microsoft.com/office/powerpoint/2010/main" val="2989294883"/>
       </p:ext>
     </p:extLst>
   </p:cSld>
@@ -6768,7 +6751,7 @@
           <p:cNvPr id="2" name="Nadpis 1">
             <a:extLst>
               <a:ext uri="{FF2B5EF4-FFF2-40B4-BE49-F238E27FC236}">
-                <a16:creationId xmlns:a16="http://schemas.microsoft.com/office/drawing/2014/main" id="{08F9BB8B-2469-4117-93E1-A80572449119}"/>
+                <a16:creationId xmlns:a16="http://schemas.microsoft.com/office/drawing/2014/main" id="{52C68049-4E37-4744-BFBF-E9506DAE6202}"/>
               </a:ext>
             </a:extLst>
           </p:cNvPr>
@@ -6786,7 +6769,7 @@
           <a:p>
             <a:r>
               <a:rPr lang="cs-CZ" dirty="0"/>
-              <a:t>Vkládání titulků Word</a:t>
+              <a:t>Citační managery</a:t>
             </a:r>
           </a:p>
         </p:txBody>
@@ -6796,7 +6779,7 @@
           <p:cNvPr id="3" name="Zástupný obsah 2">
             <a:extLst>
               <a:ext uri="{FF2B5EF4-FFF2-40B4-BE49-F238E27FC236}">
-                <a16:creationId xmlns:a16="http://schemas.microsoft.com/office/drawing/2014/main" id="{29BAA603-E664-44A9-BE4A-FC00C54CDB81}"/>
+                <a16:creationId xmlns:a16="http://schemas.microsoft.com/office/drawing/2014/main" id="{EFCA9C79-9061-4F57-A0DF-FCCB9AB66D61}"/>
               </a:ext>
             </a:extLst>
           </p:cNvPr>
@@ -6807,31 +6790,67 @@
             <p:ph idx="1"/>
           </p:nvPr>
         </p:nvSpPr>
-        <p:spPr>
-          <a:xfrm>
-            <a:off x="838200" y="1843381"/>
-            <a:ext cx="10515600" cy="4351338"/>
-          </a:xfrm>
-        </p:spPr>
-        <p:txBody>
-          <a:bodyPr/>
-          <a:lstStyle/>
-          <a:p>
-            <a:r>
-              <a:rPr lang="cs-CZ" dirty="0"/>
-              <a:t>K tabulkám a obrázkům se dá vložit titulek</a:t>
-            </a:r>
-          </a:p>
-          <a:p>
-            <a:r>
-              <a:rPr lang="cs-CZ" dirty="0"/>
-              <a:t>A následně vyexportovat seznamy tabulek a obrázků</a:t>
-            </a:r>
-          </a:p>
-          <a:p>
-            <a:r>
-              <a:rPr lang="cs-CZ" b="1" dirty="0"/>
-              <a:t>Aktivita 10 min vyzkoušejte to</a:t>
+        <p:spPr/>
+        <p:txBody>
+          <a:bodyPr/>
+          <a:lstStyle/>
+          <a:p>
+            <a:r>
+              <a:rPr lang="cs-CZ" dirty="0" err="1"/>
+              <a:t>Zotero</a:t>
+            </a:r>
+            <a:r>
+              <a:rPr lang="cs-CZ" dirty="0"/>
+              <a:t>, </a:t>
+            </a:r>
+            <a:r>
+              <a:rPr lang="cs-CZ" dirty="0" err="1"/>
+              <a:t>CitacePro</a:t>
+            </a:r>
+            <a:r>
+              <a:rPr lang="cs-CZ" dirty="0"/>
+              <a:t>, </a:t>
+            </a:r>
+            <a:r>
+              <a:rPr lang="cs-CZ" dirty="0" err="1"/>
+              <a:t>Mendeley</a:t>
+            </a:r>
+            <a:r>
+              <a:rPr lang="cs-CZ" dirty="0"/>
+              <a:t>…</a:t>
+            </a:r>
+          </a:p>
+          <a:p>
+            <a:r>
+              <a:rPr lang="cs-CZ" dirty="0"/>
+              <a:t>Šetří práci s citacemi a ušetří vám tuny práce na konci.</a:t>
+            </a:r>
+          </a:p>
+          <a:p>
+            <a:r>
+              <a:rPr lang="cs-CZ" dirty="0"/>
+              <a:t>Dobré citační managery:</a:t>
+            </a:r>
+          </a:p>
+          <a:p>
+            <a:pPr lvl="1"/>
+            <a:r>
+              <a:rPr lang="cs-CZ" dirty="0"/>
+              <a:t>Podle DOI nebo ISBN vám dohledají všechny důležité údaje</a:t>
+            </a:r>
+          </a:p>
+          <a:p>
+            <a:pPr lvl="1"/>
+            <a:r>
+              <a:rPr lang="cs-CZ" dirty="0"/>
+              <a:t>Dovolí exportovat všechny citace</a:t>
+            </a:r>
+          </a:p>
+          <a:p>
+            <a:pPr lvl="1"/>
+            <a:r>
+              <a:rPr lang="cs-CZ" dirty="0"/>
+              <a:t>Organizovat a ukládat články na jedno místo</a:t>
             </a:r>
           </a:p>
         </p:txBody>
@@ -6839,7 +6858,7 @@
     </p:spTree>
     <p:extLst>
       <p:ext uri="{BB962C8B-B14F-4D97-AF65-F5344CB8AC3E}">
-        <p14:creationId xmlns:p14="http://schemas.microsoft.com/office/powerpoint/2010/main" val="3508608761"/>
+        <p14:creationId xmlns:p14="http://schemas.microsoft.com/office/powerpoint/2010/main" val="1402106679"/>
       </p:ext>
     </p:extLst>
   </p:cSld>
@@ -6871,7 +6890,7 @@
           <p:cNvPr id="2" name="Nadpis 1">
             <a:extLst>
               <a:ext uri="{FF2B5EF4-FFF2-40B4-BE49-F238E27FC236}">
-                <a16:creationId xmlns:a16="http://schemas.microsoft.com/office/drawing/2014/main" id="{3CA3B2DE-308C-400C-9AB7-6D5C1697D6C1}"/>
+                <a16:creationId xmlns:a16="http://schemas.microsoft.com/office/drawing/2014/main" id="{08F9BB8B-2469-4117-93E1-A80572449119}"/>
               </a:ext>
             </a:extLst>
           </p:cNvPr>
@@ -6880,24 +6899,61 @@
           </p:cNvSpPr>
           <p:nvPr>
             <p:ph type="title"/>
+          </p:nvPr>
+        </p:nvSpPr>
+        <p:spPr/>
+        <p:txBody>
+          <a:bodyPr/>
+          <a:lstStyle/>
+          <a:p>
+            <a:r>
+              <a:rPr lang="cs-CZ" dirty="0"/>
+              <a:t>Vkládání titulků Word</a:t>
+            </a:r>
+          </a:p>
+        </p:txBody>
+      </p:sp>
+      <p:sp>
+        <p:nvSpPr>
+          <p:cNvPr id="3" name="Zástupný obsah 2">
+            <a:extLst>
+              <a:ext uri="{FF2B5EF4-FFF2-40B4-BE49-F238E27FC236}">
+                <a16:creationId xmlns:a16="http://schemas.microsoft.com/office/drawing/2014/main" id="{29BAA603-E664-44A9-BE4A-FC00C54CDB81}"/>
+              </a:ext>
+            </a:extLst>
+          </p:cNvPr>
+          <p:cNvSpPr>
+            <a:spLocks noGrp="1"/>
+          </p:cNvSpPr>
+          <p:nvPr>
+            <p:ph idx="1"/>
           </p:nvPr>
         </p:nvSpPr>
         <p:spPr>
           <a:xfrm>
-            <a:off x="838200" y="2478014"/>
-            <a:ext cx="10515600" cy="1325563"/>
+            <a:off x="838200" y="1843381"/>
+            <a:ext cx="10515600" cy="4351338"/>
           </a:xfrm>
         </p:spPr>
         <p:txBody>
-          <a:bodyPr>
-            <a:normAutofit/>
-          </a:bodyPr>
-          <a:lstStyle/>
-          <a:p>
-            <a:pPr algn="ctr"/>
-            <a:r>
-              <a:rPr lang="cs-CZ" sz="6000" dirty="0"/>
-              <a:t>Úprava a stylů ve Wordu</a:t>
+          <a:bodyPr/>
+          <a:lstStyle/>
+          <a:p>
+            <a:r>
+              <a:rPr lang="cs-CZ" dirty="0"/>
+              <a:t>K tabulkám a obrázkům se dá vložit titulek</a:t>
+            </a:r>
+          </a:p>
+          <a:p>
+            <a:r>
+              <a:rPr lang="cs-CZ" dirty="0"/>
+              <a:t>A následně vyexportovat seznamy tabulek a obrázků</a:t>
+            </a:r>
+          </a:p>
+          <a:p>
+            <a:r>
+              <a:rPr lang="cs-CZ" b="1" dirty="0"/>
+              <a:t>Aktivita 10 min vyzkoušejte to</a:t>
             </a:r>
           </a:p>
         </p:txBody>
@@ -6905,7 +6961,7 @@
     </p:spTree>
     <p:extLst>
       <p:ext uri="{BB962C8B-B14F-4D97-AF65-F5344CB8AC3E}">
-        <p14:creationId xmlns:p14="http://schemas.microsoft.com/office/powerpoint/2010/main" val="816602058"/>
+        <p14:creationId xmlns:p14="http://schemas.microsoft.com/office/powerpoint/2010/main" val="3508608761"/>
       </p:ext>
     </p:extLst>
   </p:cSld>
@@ -6937,64 +6993,41 @@
           <p:cNvPr id="2" name="Nadpis 1">
             <a:extLst>
               <a:ext uri="{FF2B5EF4-FFF2-40B4-BE49-F238E27FC236}">
-                <a16:creationId xmlns:a16="http://schemas.microsoft.com/office/drawing/2014/main" id="{AFEC1686-77AC-4C28-820B-BE3BD42613B7}"/>
-              </a:ext>
-            </a:extLst>
-          </p:cNvPr>
-          <p:cNvSpPr>
-            <a:spLocks noGrp="1"/>
-          </p:cNvSpPr>
-          <p:nvPr>
-            <p:ph type="ctrTitle"/>
-          </p:nvPr>
-        </p:nvSpPr>
-        <p:spPr/>
-        <p:txBody>
-          <a:bodyPr/>
-          <a:lstStyle/>
-          <a:p>
-            <a:r>
-              <a:rPr lang="cs-CZ" dirty="0"/>
-              <a:t>Úprava a definování nadpisů</a:t>
-            </a:r>
-          </a:p>
-        </p:txBody>
-      </p:sp>
-      <p:sp>
-        <p:nvSpPr>
-          <p:cNvPr id="3" name="Podnadpis 2">
-            <a:extLst>
-              <a:ext uri="{FF2B5EF4-FFF2-40B4-BE49-F238E27FC236}">
-                <a16:creationId xmlns:a16="http://schemas.microsoft.com/office/drawing/2014/main" id="{350F8C43-92C6-4F14-ADA9-4032C4435F91}"/>
-              </a:ext>
-            </a:extLst>
-          </p:cNvPr>
-          <p:cNvSpPr>
-            <a:spLocks noGrp="1"/>
-          </p:cNvSpPr>
-          <p:nvPr>
-            <p:ph type="subTitle" idx="1"/>
-          </p:nvPr>
-        </p:nvSpPr>
-        <p:spPr/>
-        <p:txBody>
-          <a:bodyPr/>
-          <a:lstStyle/>
-          <a:p>
-            <a:r>
-              <a:rPr lang="cs-CZ" dirty="0">
-                <a:hlinkClick r:id="rId2"/>
-              </a:rPr>
-              <a:t>Video jak na to</a:t>
-            </a:r>
-            <a:endParaRPr lang="cs-CZ" dirty="0"/>
+                <a16:creationId xmlns:a16="http://schemas.microsoft.com/office/drawing/2014/main" id="{3CA3B2DE-308C-400C-9AB7-6D5C1697D6C1}"/>
+              </a:ext>
+            </a:extLst>
+          </p:cNvPr>
+          <p:cNvSpPr>
+            <a:spLocks noGrp="1"/>
+          </p:cNvSpPr>
+          <p:nvPr>
+            <p:ph type="title"/>
+          </p:nvPr>
+        </p:nvSpPr>
+        <p:spPr>
+          <a:xfrm>
+            <a:off x="838200" y="2478014"/>
+            <a:ext cx="10515600" cy="1325563"/>
+          </a:xfrm>
+        </p:spPr>
+        <p:txBody>
+          <a:bodyPr>
+            <a:normAutofit/>
+          </a:bodyPr>
+          <a:lstStyle/>
+          <a:p>
+            <a:pPr algn="ctr"/>
+            <a:r>
+              <a:rPr lang="cs-CZ" sz="6000" dirty="0"/>
+              <a:t>Úprava a stylů ve Wordu</a:t>
+            </a:r>
           </a:p>
         </p:txBody>
       </p:sp>
     </p:spTree>
     <p:extLst>
       <p:ext uri="{BB962C8B-B14F-4D97-AF65-F5344CB8AC3E}">
-        <p14:creationId xmlns:p14="http://schemas.microsoft.com/office/powerpoint/2010/main" val="4125175018"/>
+        <p14:creationId xmlns:p14="http://schemas.microsoft.com/office/powerpoint/2010/main" val="816602058"/>
       </p:ext>
     </p:extLst>
   </p:cSld>
@@ -7026,7 +7059,7 @@
           <p:cNvPr id="2" name="Nadpis 1">
             <a:extLst>
               <a:ext uri="{FF2B5EF4-FFF2-40B4-BE49-F238E27FC236}">
-                <a16:creationId xmlns:a16="http://schemas.microsoft.com/office/drawing/2014/main" id="{A5C47D7C-EDBE-40FE-A815-74892707F93F}"/>
+                <a16:creationId xmlns:a16="http://schemas.microsoft.com/office/drawing/2014/main" id="{AFEC1686-77AC-4C28-820B-BE3BD42613B7}"/>
               </a:ext>
             </a:extLst>
           </p:cNvPr>
@@ -7044,7 +7077,7 @@
           <a:p>
             <a:r>
               <a:rPr lang="cs-CZ" dirty="0"/>
-              <a:t>Ladění textu</a:t>
+              <a:t>Úprava a definování nadpisů</a:t>
             </a:r>
           </a:p>
         </p:txBody>
@@ -7054,7 +7087,7 @@
           <p:cNvPr id="3" name="Podnadpis 2">
             <a:extLst>
               <a:ext uri="{FF2B5EF4-FFF2-40B4-BE49-F238E27FC236}">
-                <a16:creationId xmlns:a16="http://schemas.microsoft.com/office/drawing/2014/main" id="{CD074FCC-7457-4852-A289-68D08F860D3E}"/>
+                <a16:creationId xmlns:a16="http://schemas.microsoft.com/office/drawing/2014/main" id="{350F8C43-92C6-4F14-ADA9-4032C4435F91}"/>
               </a:ext>
             </a:extLst>
           </p:cNvPr>
@@ -7071,22 +7104,19 @@
           <a:lstStyle/>
           <a:p>
             <a:r>
-              <a:rPr lang="cs-CZ" dirty="0"/>
-              <a:t>Hledání chybných slov, dvojitých/3trojtých mezer </a:t>
-            </a:r>
-          </a:p>
-          <a:p>
-            <a:r>
-              <a:rPr lang="cs-CZ" dirty="0"/>
-              <a:t>nezlomitelná mezera</a:t>
-            </a:r>
+              <a:rPr lang="cs-CZ" dirty="0">
+                <a:hlinkClick r:id="rId2"/>
+              </a:rPr>
+              <a:t>Video jak na to</a:t>
+            </a:r>
+            <a:endParaRPr lang="cs-CZ" dirty="0"/>
           </a:p>
         </p:txBody>
       </p:sp>
     </p:spTree>
     <p:extLst>
       <p:ext uri="{BB962C8B-B14F-4D97-AF65-F5344CB8AC3E}">
-        <p14:creationId xmlns:p14="http://schemas.microsoft.com/office/powerpoint/2010/main" val="3607775331"/>
+        <p14:creationId xmlns:p14="http://schemas.microsoft.com/office/powerpoint/2010/main" val="4125175018"/>
       </p:ext>
     </p:extLst>
   </p:cSld>
@@ -7118,15 +7148,15 @@
           <p:cNvPr id="2" name="Nadpis 1">
             <a:extLst>
               <a:ext uri="{FF2B5EF4-FFF2-40B4-BE49-F238E27FC236}">
-                <a16:creationId xmlns:a16="http://schemas.microsoft.com/office/drawing/2014/main" id="{F17C4CF4-02D1-4322-8D7E-C143A54A0CB4}"/>
-              </a:ext>
-            </a:extLst>
-          </p:cNvPr>
-          <p:cNvSpPr>
-            <a:spLocks noGrp="1"/>
-          </p:cNvSpPr>
-          <p:nvPr>
-            <p:ph type="title"/>
+                <a16:creationId xmlns:a16="http://schemas.microsoft.com/office/drawing/2014/main" id="{A5C47D7C-EDBE-40FE-A815-74892707F93F}"/>
+              </a:ext>
+            </a:extLst>
+          </p:cNvPr>
+          <p:cNvSpPr>
+            <a:spLocks noGrp="1"/>
+          </p:cNvSpPr>
+          <p:nvPr>
+            <p:ph type="ctrTitle"/>
           </p:nvPr>
         </p:nvSpPr>
         <p:spPr/>
@@ -7136,35 +7166,50 @@
           <a:p>
             <a:r>
               <a:rPr lang="cs-CZ" dirty="0"/>
-              <a:t>Něco o IT </a:t>
-            </a:r>
-          </a:p>
-        </p:txBody>
-      </p:sp>
-      <p:sp>
-        <p:nvSpPr>
-          <p:cNvPr id="3" name="Zástupný text 2">
-            <a:extLst>
-              <a:ext uri="{FF2B5EF4-FFF2-40B4-BE49-F238E27FC236}">
-                <a16:creationId xmlns:a16="http://schemas.microsoft.com/office/drawing/2014/main" id="{5883FB10-ABDD-4119-9054-48794EC78E90}"/>
-              </a:ext>
-            </a:extLst>
-          </p:cNvPr>
-          <p:cNvSpPr>
-            <a:spLocks noGrp="1"/>
-          </p:cNvSpPr>
-          <p:nvPr>
-            <p:ph type="body" idx="1"/>
-          </p:nvPr>
-        </p:nvSpPr>
-        <p:spPr/>
-        <p:txBody>
-          <a:bodyPr/>
-          <a:lstStyle/>
-          <a:p>
-            <a:r>
-              <a:rPr lang="cs-CZ" dirty="0"/>
-              <a:t>Teď trocha teorie z informatiky</a:t>
+              <a:t>Ladění textu</a:t>
+            </a:r>
+          </a:p>
+        </p:txBody>
+      </p:sp>
+      <p:sp>
+        <p:nvSpPr>
+          <p:cNvPr id="3" name="Podnadpis 2">
+            <a:extLst>
+              <a:ext uri="{FF2B5EF4-FFF2-40B4-BE49-F238E27FC236}">
+                <a16:creationId xmlns:a16="http://schemas.microsoft.com/office/drawing/2014/main" id="{CD074FCC-7457-4852-A289-68D08F860D3E}"/>
+              </a:ext>
+            </a:extLst>
+          </p:cNvPr>
+          <p:cNvSpPr>
+            <a:spLocks noGrp="1"/>
+          </p:cNvSpPr>
+          <p:nvPr>
+            <p:ph type="subTitle" idx="1"/>
+          </p:nvPr>
+        </p:nvSpPr>
+        <p:spPr>
+          <a:xfrm>
+            <a:off x="1524000" y="3602038"/>
+            <a:ext cx="7891604" cy="1655762"/>
+          </a:xfrm>
+        </p:spPr>
+        <p:txBody>
+          <a:bodyPr/>
+          <a:lstStyle/>
+          <a:p>
+            <a:r>
+              <a:rPr lang="cs-CZ" dirty="0"/>
+              <a:t>Hledání chybných slov, dvojitých/3trojtých mezer v</a:t>
+            </a:r>
+          </a:p>
+          <a:p>
+            <a:r>
+              <a:rPr lang="cs-CZ"/>
+              <a:t>nezlomitelná </a:t>
+            </a:r>
+            <a:r>
+              <a:rPr lang="cs-CZ" dirty="0"/>
+              <a:t>mezera</a:t>
             </a:r>
           </a:p>
         </p:txBody>
@@ -7172,7 +7217,7 @@
     </p:spTree>
     <p:extLst>
       <p:ext uri="{BB962C8B-B14F-4D97-AF65-F5344CB8AC3E}">
-        <p14:creationId xmlns:p14="http://schemas.microsoft.com/office/powerpoint/2010/main" val="2565214230"/>
+        <p14:creationId xmlns:p14="http://schemas.microsoft.com/office/powerpoint/2010/main" val="3607775331"/>
       </p:ext>
     </p:extLst>
   </p:cSld>
@@ -7204,39 +7249,53 @@
           <p:cNvPr id="2" name="Nadpis 1">
             <a:extLst>
               <a:ext uri="{FF2B5EF4-FFF2-40B4-BE49-F238E27FC236}">
-                <a16:creationId xmlns:a16="http://schemas.microsoft.com/office/drawing/2014/main" id="{0CF22D25-EB5C-4397-8874-E4D6CFE9A6E7}"/>
-              </a:ext>
-            </a:extLst>
-          </p:cNvPr>
-          <p:cNvSpPr>
-            <a:spLocks noGrp="1"/>
-          </p:cNvSpPr>
-          <p:nvPr>
-            <p:ph type="ctrTitle"/>
-          </p:nvPr>
-        </p:nvSpPr>
-        <p:spPr>
-          <a:xfrm>
-            <a:off x="1524000" y="1770434"/>
-            <a:ext cx="9144000" cy="2387600"/>
-          </a:xfrm>
-        </p:spPr>
-        <p:txBody>
-          <a:bodyPr>
-            <a:normAutofit fontScale="90000"/>
-          </a:bodyPr>
-          <a:lstStyle/>
-          <a:p>
-            <a:r>
-              <a:rPr lang="cs-CZ" dirty="0"/>
-              <a:t>Dokážete vyjmenovat alespoň </a:t>
-            </a:r>
-            <a:br>
-              <a:rPr lang="cs-CZ" dirty="0"/>
-            </a:br>
-            <a:r>
-              <a:rPr lang="cs-CZ" dirty="0"/>
-              <a:t>10 druhů doktorů?</a:t>
+                <a16:creationId xmlns:a16="http://schemas.microsoft.com/office/drawing/2014/main" id="{F17C4CF4-02D1-4322-8D7E-C143A54A0CB4}"/>
+              </a:ext>
+            </a:extLst>
+          </p:cNvPr>
+          <p:cNvSpPr>
+            <a:spLocks noGrp="1"/>
+          </p:cNvSpPr>
+          <p:nvPr>
+            <p:ph type="title"/>
+          </p:nvPr>
+        </p:nvSpPr>
+        <p:spPr/>
+        <p:txBody>
+          <a:bodyPr/>
+          <a:lstStyle/>
+          <a:p>
+            <a:r>
+              <a:rPr lang="cs-CZ" dirty="0"/>
+              <a:t>Něco o IT </a:t>
+            </a:r>
+          </a:p>
+        </p:txBody>
+      </p:sp>
+      <p:sp>
+        <p:nvSpPr>
+          <p:cNvPr id="3" name="Zástupný text 2">
+            <a:extLst>
+              <a:ext uri="{FF2B5EF4-FFF2-40B4-BE49-F238E27FC236}">
+                <a16:creationId xmlns:a16="http://schemas.microsoft.com/office/drawing/2014/main" id="{5883FB10-ABDD-4119-9054-48794EC78E90}"/>
+              </a:ext>
+            </a:extLst>
+          </p:cNvPr>
+          <p:cNvSpPr>
+            <a:spLocks noGrp="1"/>
+          </p:cNvSpPr>
+          <p:nvPr>
+            <p:ph type="body" idx="1"/>
+          </p:nvPr>
+        </p:nvSpPr>
+        <p:spPr/>
+        <p:txBody>
+          <a:bodyPr/>
+          <a:lstStyle/>
+          <a:p>
+            <a:r>
+              <a:rPr lang="cs-CZ" dirty="0"/>
+              <a:t>Teď trocha teorie z informatiky</a:t>
             </a:r>
           </a:p>
         </p:txBody>
@@ -7244,7 +7303,7 @@
     </p:spTree>
     <p:extLst>
       <p:ext uri="{BB962C8B-B14F-4D97-AF65-F5344CB8AC3E}">
-        <p14:creationId xmlns:p14="http://schemas.microsoft.com/office/powerpoint/2010/main" val="900196040"/>
+        <p14:creationId xmlns:p14="http://schemas.microsoft.com/office/powerpoint/2010/main" val="2565214230"/>
       </p:ext>
     </p:extLst>
   </p:cSld>
@@ -7276,7 +7335,7 @@
           <p:cNvPr id="2" name="Nadpis 1">
             <a:extLst>
               <a:ext uri="{FF2B5EF4-FFF2-40B4-BE49-F238E27FC236}">
-                <a16:creationId xmlns:a16="http://schemas.microsoft.com/office/drawing/2014/main" id="{C2E1FDCB-38BD-45A6-83B0-297C7CCAD1B3}"/>
+                <a16:creationId xmlns:a16="http://schemas.microsoft.com/office/drawing/2014/main" id="{0CF22D25-EB5C-4397-8874-E4D6CFE9A6E7}"/>
               </a:ext>
             </a:extLst>
           </p:cNvPr>
@@ -7289,7 +7348,7 @@
         </p:nvSpPr>
         <p:spPr>
           <a:xfrm>
-            <a:off x="1524000" y="1575126"/>
+            <a:off x="1524000" y="1770434"/>
             <a:ext cx="9144000" cy="2387600"/>
           </a:xfrm>
         </p:spPr>
@@ -7308,7 +7367,7 @@
             </a:br>
             <a:r>
               <a:rPr lang="cs-CZ" dirty="0"/>
-              <a:t>10 druhů IT pozic?</a:t>
+              <a:t>10 druhů doktorů?</a:t>
             </a:r>
           </a:p>
         </p:txBody>
@@ -7316,7 +7375,7 @@
     </p:spTree>
     <p:extLst>
       <p:ext uri="{BB962C8B-B14F-4D97-AF65-F5344CB8AC3E}">
-        <p14:creationId xmlns:p14="http://schemas.microsoft.com/office/powerpoint/2010/main" val="1420125541"/>
+        <p14:creationId xmlns:p14="http://schemas.microsoft.com/office/powerpoint/2010/main" val="900196040"/>
       </p:ext>
     </p:extLst>
   </p:cSld>
@@ -7345,46 +7404,50 @@
       </p:grpSpPr>
       <p:sp>
         <p:nvSpPr>
-          <p:cNvPr id="2" name="TextovéPole 1">
-            <a:extLst>
-              <a:ext uri="{FF2B5EF4-FFF2-40B4-BE49-F238E27FC236}">
-                <a16:creationId xmlns:a16="http://schemas.microsoft.com/office/drawing/2014/main" id="{2DE0E901-4F1F-4070-A55C-791B1FAD83C2}"/>
-              </a:ext>
-            </a:extLst>
-          </p:cNvPr>
-          <p:cNvSpPr txBox="1"/>
-          <p:nvPr/>
+          <p:cNvPr id="2" name="Nadpis 1">
+            <a:extLst>
+              <a:ext uri="{FF2B5EF4-FFF2-40B4-BE49-F238E27FC236}">
+                <a16:creationId xmlns:a16="http://schemas.microsoft.com/office/drawing/2014/main" id="{C2E1FDCB-38BD-45A6-83B0-297C7CCAD1B3}"/>
+              </a:ext>
+            </a:extLst>
+          </p:cNvPr>
+          <p:cNvSpPr>
+            <a:spLocks noGrp="1"/>
+          </p:cNvSpPr>
+          <p:nvPr>
+            <p:ph type="ctrTitle"/>
+          </p:nvPr>
         </p:nvSpPr>
         <p:spPr>
           <a:xfrm>
-            <a:off x="2334829" y="2574523"/>
-            <a:ext cx="9623394" cy="1107996"/>
+            <a:off x="1524000" y="1575126"/>
+            <a:ext cx="9144000" cy="2387600"/>
           </a:xfrm>
-          <a:prstGeom prst="rect">
-            <a:avLst/>
-          </a:prstGeom>
-          <a:noFill/>
         </p:spPr>
         <p:txBody>
-          <a:bodyPr wrap="square" rtlCol="0">
-            <a:spAutoFit/>
+          <a:bodyPr>
+            <a:normAutofit fontScale="90000"/>
           </a:bodyPr>
           <a:lstStyle/>
           <a:p>
             <a:r>
-              <a:rPr lang="cs-CZ" sz="6600" dirty="0">
-                <a:hlinkClick r:id="rId2"/>
-              </a:rPr>
-              <a:t>Ukázka může existovat</a:t>
-            </a:r>
-            <a:endParaRPr lang="cs-CZ" sz="6600" dirty="0"/>
+              <a:rPr lang="cs-CZ" dirty="0"/>
+              <a:t>Dokážete vyjmenovat alespoň </a:t>
+            </a:r>
+            <a:br>
+              <a:rPr lang="cs-CZ" dirty="0"/>
+            </a:br>
+            <a:r>
+              <a:rPr lang="cs-CZ" dirty="0"/>
+              <a:t>10 druhů IT pozic?</a:t>
+            </a:r>
           </a:p>
         </p:txBody>
       </p:sp>
     </p:spTree>
     <p:extLst>
       <p:ext uri="{BB962C8B-B14F-4D97-AF65-F5344CB8AC3E}">
-        <p14:creationId xmlns:p14="http://schemas.microsoft.com/office/powerpoint/2010/main" val="2902266047"/>
+        <p14:creationId xmlns:p14="http://schemas.microsoft.com/office/powerpoint/2010/main" val="1420125541"/>
       </p:ext>
     </p:extLst>
   </p:cSld>
@@ -7416,7 +7479,7 @@
           <p:cNvPr id="2" name="Nadpis 1">
             <a:extLst>
               <a:ext uri="{FF2B5EF4-FFF2-40B4-BE49-F238E27FC236}">
-                <a16:creationId xmlns:a16="http://schemas.microsoft.com/office/drawing/2014/main" id="{B911C1B7-1E40-4F23-A3F8-C75E2E99CC5B}"/>
+                <a16:creationId xmlns:a16="http://schemas.microsoft.com/office/drawing/2014/main" id="{A3617A60-4CAB-441C-A74F-13C0A29DE680}"/>
               </a:ext>
             </a:extLst>
           </p:cNvPr>
@@ -7434,72 +7497,82 @@
           <a:p>
             <a:r>
               <a:rPr lang="cs-CZ" dirty="0"/>
-              <a:t>Zápočet	</a:t>
-            </a:r>
-          </a:p>
-        </p:txBody>
-      </p:sp>
-      <p:sp>
-        <p:nvSpPr>
-          <p:cNvPr id="3" name="Zástupný obsah 2">
-            <a:extLst>
-              <a:ext uri="{FF2B5EF4-FFF2-40B4-BE49-F238E27FC236}">
-                <a16:creationId xmlns:a16="http://schemas.microsoft.com/office/drawing/2014/main" id="{F912A66B-B924-40F1-B9B8-9B2273ED40EA}"/>
-              </a:ext>
-            </a:extLst>
-          </p:cNvPr>
-          <p:cNvSpPr>
-            <a:spLocks noGrp="1"/>
-          </p:cNvSpPr>
+              <a:t>Obsah předmětu</a:t>
+            </a:r>
+          </a:p>
+        </p:txBody>
+      </p:sp>
+      <p:pic>
+        <p:nvPicPr>
+          <p:cNvPr id="5" name="Zástupný obsah 4">
+            <a:extLst>
+              <a:ext uri="{FF2B5EF4-FFF2-40B4-BE49-F238E27FC236}">
+                <a16:creationId xmlns:a16="http://schemas.microsoft.com/office/drawing/2014/main" id="{07217C44-DE92-45C0-B2FD-58BF906EEB65}"/>
+              </a:ext>
+            </a:extLst>
+          </p:cNvPr>
+          <p:cNvPicPr>
+            <a:picLocks noGrp="1" noChangeAspect="1"/>
+          </p:cNvPicPr>
           <p:nvPr>
             <p:ph idx="1"/>
           </p:nvPr>
-        </p:nvSpPr>
-        <p:spPr/>
-        <p:txBody>
-          <a:bodyPr/>
-          <a:lstStyle/>
-          <a:p>
-            <a:r>
-              <a:rPr lang="cs-CZ" dirty="0"/>
-              <a:t>Je to předmět za 2 kredity (ECTS)</a:t>
-            </a:r>
-          </a:p>
-          <a:p>
-            <a:r>
-              <a:rPr lang="cs-CZ" dirty="0"/>
-              <a:t>Takže to nechci nějak „Try-</a:t>
-            </a:r>
-            <a:r>
-              <a:rPr lang="cs-CZ" dirty="0" err="1"/>
-              <a:t>hardid</a:t>
-            </a:r>
-            <a:r>
-              <a:rPr lang="cs-CZ" dirty="0"/>
-              <a:t>“</a:t>
-            </a:r>
-          </a:p>
-          <a:p>
+        </p:nvPicPr>
+        <p:blipFill>
+          <a:blip r:embed="rId2"/>
+          <a:stretch>
+            <a:fillRect/>
+          </a:stretch>
+        </p:blipFill>
+        <p:spPr>
+          <a:xfrm>
+            <a:off x="894624" y="1875418"/>
+            <a:ext cx="10402752" cy="2124371"/>
+          </a:xfrm>
+        </p:spPr>
+      </p:pic>
+      <p:sp>
+        <p:nvSpPr>
+          <p:cNvPr id="6" name="TextovéPole 5">
+            <a:extLst>
+              <a:ext uri="{FF2B5EF4-FFF2-40B4-BE49-F238E27FC236}">
+                <a16:creationId xmlns:a16="http://schemas.microsoft.com/office/drawing/2014/main" id="{A347D2EA-CDF6-45FA-BA69-90411726AC25}"/>
+              </a:ext>
+            </a:extLst>
+          </p:cNvPr>
+          <p:cNvSpPr txBox="1"/>
+          <p:nvPr/>
+        </p:nvSpPr>
+        <p:spPr>
+          <a:xfrm>
+            <a:off x="993121" y="1506022"/>
+            <a:ext cx="7623111" cy="369332"/>
+          </a:xfrm>
+          <a:prstGeom prst="rect">
+            <a:avLst/>
+          </a:prstGeom>
+          <a:noFill/>
+        </p:spPr>
+        <p:txBody>
+          <a:bodyPr wrap="square" rtlCol="0">
+            <a:spAutoFit/>
+          </a:bodyPr>
+          <a:lstStyle/>
+          <a:p>
+            <a:r>
+              <a:rPr lang="cs-CZ" dirty="0">
+                <a:hlinkClick r:id="rId3"/>
+              </a:rPr>
+              <a:t>STAG</a:t>
+            </a:r>
             <a:endParaRPr lang="cs-CZ" dirty="0"/>
-          </a:p>
-          <a:p>
-            <a:r>
-              <a:rPr lang="cs-CZ" dirty="0"/>
-              <a:t>Odevzdáte mi/ukážete projekty co tu budeme dělat.</a:t>
-            </a:r>
-          </a:p>
-          <a:p>
-            <a:r>
-              <a:rPr lang="cs-CZ" dirty="0"/>
-              <a:t>Pokud to bude možné, tak vám za to dám zápočet/pokud to bude muset být test, tak pravděpodobně po vás budu chtít něco udělat (projekt)</a:t>
-            </a:r>
           </a:p>
         </p:txBody>
       </p:sp>
     </p:spTree>
     <p:extLst>
       <p:ext uri="{BB962C8B-B14F-4D97-AF65-F5344CB8AC3E}">
-        <p14:creationId xmlns:p14="http://schemas.microsoft.com/office/powerpoint/2010/main" val="34763863"/>
+        <p14:creationId xmlns:p14="http://schemas.microsoft.com/office/powerpoint/2010/main" val="3882762468"/>
       </p:ext>
     </p:extLst>
   </p:cSld>
@@ -7510,6 +7583,74 @@
 </file>
 
 <file path=ppt/slides/slide40.xml><?xml version="1.0" encoding="utf-8"?>
+<p:sld xmlns:a="http://schemas.openxmlformats.org/drawingml/2006/main" xmlns:r="http://schemas.openxmlformats.org/officeDocument/2006/relationships" xmlns:p="http://schemas.openxmlformats.org/presentationml/2006/main">
+  <p:cSld>
+    <p:spTree>
+      <p:nvGrpSpPr>
+        <p:cNvPr id="1" name=""/>
+        <p:cNvGrpSpPr/>
+        <p:nvPr/>
+      </p:nvGrpSpPr>
+      <p:grpSpPr>
+        <a:xfrm>
+          <a:off x="0" y="0"/>
+          <a:ext cx="0" cy="0"/>
+          <a:chOff x="0" y="0"/>
+          <a:chExt cx="0" cy="0"/>
+        </a:xfrm>
+      </p:grpSpPr>
+      <p:sp>
+        <p:nvSpPr>
+          <p:cNvPr id="2" name="TextovéPole 1">
+            <a:extLst>
+              <a:ext uri="{FF2B5EF4-FFF2-40B4-BE49-F238E27FC236}">
+                <a16:creationId xmlns:a16="http://schemas.microsoft.com/office/drawing/2014/main" id="{2DE0E901-4F1F-4070-A55C-791B1FAD83C2}"/>
+              </a:ext>
+            </a:extLst>
+          </p:cNvPr>
+          <p:cNvSpPr txBox="1"/>
+          <p:nvPr/>
+        </p:nvSpPr>
+        <p:spPr>
+          <a:xfrm>
+            <a:off x="2334829" y="2574523"/>
+            <a:ext cx="9623394" cy="1107996"/>
+          </a:xfrm>
+          <a:prstGeom prst="rect">
+            <a:avLst/>
+          </a:prstGeom>
+          <a:noFill/>
+        </p:spPr>
+        <p:txBody>
+          <a:bodyPr wrap="square" rtlCol="0">
+            <a:spAutoFit/>
+          </a:bodyPr>
+          <a:lstStyle/>
+          <a:p>
+            <a:r>
+              <a:rPr lang="cs-CZ" sz="6600" dirty="0">
+                <a:hlinkClick r:id="rId2"/>
+              </a:rPr>
+              <a:t>Ukázka může existovat</a:t>
+            </a:r>
+            <a:endParaRPr lang="cs-CZ" sz="6600" dirty="0"/>
+          </a:p>
+        </p:txBody>
+      </p:sp>
+    </p:spTree>
+    <p:extLst>
+      <p:ext uri="{BB962C8B-B14F-4D97-AF65-F5344CB8AC3E}">
+        <p14:creationId xmlns:p14="http://schemas.microsoft.com/office/powerpoint/2010/main" val="2902266047"/>
+      </p:ext>
+    </p:extLst>
+  </p:cSld>
+  <p:clrMapOvr>
+    <a:masterClrMapping/>
+  </p:clrMapOvr>
+</p:sld>
+</file>
+
+<file path=ppt/slides/slide41.xml><?xml version="1.0" encoding="utf-8"?>
 <p:sld xmlns:a="http://schemas.openxmlformats.org/drawingml/2006/main" xmlns:r="http://schemas.openxmlformats.org/officeDocument/2006/relationships" xmlns:p="http://schemas.openxmlformats.org/presentationml/2006/main">
   <p:cSld>
     <p:bg>
@@ -7629,7 +7770,7 @@
 </p:sld>
 </file>
 
-<file path=ppt/slides/slide41.xml><?xml version="1.0" encoding="utf-8"?>
+<file path=ppt/slides/slide42.xml><?xml version="1.0" encoding="utf-8"?>
 <p:sld xmlns:a="http://schemas.openxmlformats.org/drawingml/2006/main" xmlns:r="http://schemas.openxmlformats.org/officeDocument/2006/relationships" xmlns:p="http://schemas.openxmlformats.org/presentationml/2006/main">
   <p:cSld>
     <p:spTree>
@@ -7753,131 +7894,6 @@
 </p:sld>
 </file>
 
-<file path=ppt/slides/slide42.xml><?xml version="1.0" encoding="utf-8"?>
-<p:sld xmlns:a="http://schemas.openxmlformats.org/drawingml/2006/main" xmlns:r="http://schemas.openxmlformats.org/officeDocument/2006/relationships" xmlns:p="http://schemas.openxmlformats.org/presentationml/2006/main">
-  <p:cSld>
-    <p:spTree>
-      <p:nvGrpSpPr>
-        <p:cNvPr id="1" name=""/>
-        <p:cNvGrpSpPr/>
-        <p:nvPr/>
-      </p:nvGrpSpPr>
-      <p:grpSpPr>
-        <a:xfrm>
-          <a:off x="0" y="0"/>
-          <a:ext cx="0" cy="0"/>
-          <a:chOff x="0" y="0"/>
-          <a:chExt cx="0" cy="0"/>
-        </a:xfrm>
-      </p:grpSpPr>
-      <p:sp>
-        <p:nvSpPr>
-          <p:cNvPr id="2" name="Nadpis 1">
-            <a:extLst>
-              <a:ext uri="{FF2B5EF4-FFF2-40B4-BE49-F238E27FC236}">
-                <a16:creationId xmlns:a16="http://schemas.microsoft.com/office/drawing/2014/main" id="{CB4DBEB7-A96F-4FEF-B156-E6B040648BAF}"/>
-              </a:ext>
-            </a:extLst>
-          </p:cNvPr>
-          <p:cNvSpPr>
-            <a:spLocks noGrp="1"/>
-          </p:cNvSpPr>
-          <p:nvPr>
-            <p:ph type="title"/>
-          </p:nvPr>
-        </p:nvSpPr>
-        <p:spPr/>
-        <p:txBody>
-          <a:bodyPr/>
-          <a:lstStyle/>
-          <a:p>
-            <a:r>
-              <a:rPr lang="cs-CZ" dirty="0"/>
-              <a:t>Metafora k biologii</a:t>
-            </a:r>
-          </a:p>
-        </p:txBody>
-      </p:sp>
-      <p:sp>
-        <p:nvSpPr>
-          <p:cNvPr id="3" name="Zástupný obsah 2">
-            <a:extLst>
-              <a:ext uri="{FF2B5EF4-FFF2-40B4-BE49-F238E27FC236}">
-                <a16:creationId xmlns:a16="http://schemas.microsoft.com/office/drawing/2014/main" id="{C8162645-3468-44F9-AE8D-2FCE5BE3EAEA}"/>
-              </a:ext>
-            </a:extLst>
-          </p:cNvPr>
-          <p:cNvSpPr>
-            <a:spLocks noGrp="1"/>
-          </p:cNvSpPr>
-          <p:nvPr>
-            <p:ph idx="1"/>
-          </p:nvPr>
-        </p:nvSpPr>
-        <p:spPr/>
-        <p:txBody>
-          <a:bodyPr/>
-          <a:lstStyle/>
-          <a:p>
-            <a:r>
-              <a:rPr lang="cs-CZ" dirty="0"/>
-              <a:t>Kyslík</a:t>
-            </a:r>
-          </a:p>
-          <a:p>
-            <a:r>
-              <a:rPr lang="cs-CZ" dirty="0"/>
-              <a:t>Vodík</a:t>
-            </a:r>
-          </a:p>
-          <a:p>
-            <a:r>
-              <a:rPr lang="cs-CZ" dirty="0"/>
-              <a:t>Dusík</a:t>
-            </a:r>
-          </a:p>
-          <a:p>
-            <a:r>
-              <a:rPr lang="cs-CZ" dirty="0"/>
-              <a:t>Uhlík</a:t>
-            </a:r>
-          </a:p>
-          <a:p>
-            <a:r>
-              <a:rPr lang="cs-CZ" dirty="0"/>
-              <a:t>Vápník</a:t>
-            </a:r>
-          </a:p>
-          <a:p>
-            <a:r>
-              <a:rPr lang="cs-CZ" dirty="0"/>
-              <a:t>Fosfor</a:t>
-            </a:r>
-          </a:p>
-          <a:p>
-            <a:endParaRPr lang="cs-CZ" dirty="0"/>
-          </a:p>
-          <a:p>
-            <a:r>
-              <a:rPr lang="cs-CZ" dirty="0"/>
-              <a:t>Lidské tělo je složeno z 99% z výše uvedených prvků</a:t>
-            </a:r>
-          </a:p>
-        </p:txBody>
-      </p:sp>
-    </p:spTree>
-    <p:extLst>
-      <p:ext uri="{BB962C8B-B14F-4D97-AF65-F5344CB8AC3E}">
-        <p14:creationId xmlns:p14="http://schemas.microsoft.com/office/powerpoint/2010/main" val="1122245338"/>
-      </p:ext>
-    </p:extLst>
-  </p:cSld>
-  <p:clrMapOvr>
-    <a:masterClrMapping/>
-  </p:clrMapOvr>
-</p:sld>
-</file>
-
 <file path=ppt/slides/slide43.xml><?xml version="1.0" encoding="utf-8"?>
 <p:sld xmlns:a="http://schemas.openxmlformats.org/drawingml/2006/main" xmlns:r="http://schemas.openxmlformats.org/officeDocument/2006/relationships" xmlns:p="http://schemas.openxmlformats.org/presentationml/2006/main">
   <p:cSld>
@@ -7900,7 +7916,7 @@
           <p:cNvPr id="2" name="Nadpis 1">
             <a:extLst>
               <a:ext uri="{FF2B5EF4-FFF2-40B4-BE49-F238E27FC236}">
-                <a16:creationId xmlns:a16="http://schemas.microsoft.com/office/drawing/2014/main" id="{AB5E6242-A30D-4C27-8105-5F171A615FBA}"/>
+                <a16:creationId xmlns:a16="http://schemas.microsoft.com/office/drawing/2014/main" id="{CB4DBEB7-A96F-4FEF-B156-E6B040648BAF}"/>
               </a:ext>
             </a:extLst>
           </p:cNvPr>
@@ -7918,7 +7934,7 @@
           <a:p>
             <a:r>
               <a:rPr lang="cs-CZ" dirty="0"/>
-              <a:t>Většina programů je tvořena z:	</a:t>
+              <a:t>Metafora k biologii</a:t>
             </a:r>
           </a:p>
         </p:txBody>
@@ -7928,7 +7944,7 @@
           <p:cNvPr id="3" name="Zástupný obsah 2">
             <a:extLst>
               <a:ext uri="{FF2B5EF4-FFF2-40B4-BE49-F238E27FC236}">
-                <a16:creationId xmlns:a16="http://schemas.microsoft.com/office/drawing/2014/main" id="{166763D2-974B-48E8-9180-E52E4BAC6489}"/>
+                <a16:creationId xmlns:a16="http://schemas.microsoft.com/office/drawing/2014/main" id="{C8162645-3468-44F9-AE8D-2FCE5BE3EAEA}"/>
               </a:ext>
             </a:extLst>
           </p:cNvPr>
@@ -7946,39 +7962,46 @@
           <a:p>
             <a:r>
               <a:rPr lang="cs-CZ" dirty="0"/>
-              <a:t>Podmínek</a:t>
-            </a:r>
-          </a:p>
-          <a:p>
-            <a:r>
-              <a:rPr lang="cs-CZ" dirty="0"/>
-              <a:t>Cyklů</a:t>
-            </a:r>
-          </a:p>
-          <a:p>
-            <a:r>
-              <a:rPr lang="cs-CZ" dirty="0"/>
-              <a:t>Funkcí</a:t>
+              <a:t>Kyslík</a:t>
+            </a:r>
+          </a:p>
+          <a:p>
+            <a:r>
+              <a:rPr lang="cs-CZ" dirty="0"/>
+              <a:t>Vodík</a:t>
+            </a:r>
+          </a:p>
+          <a:p>
+            <a:r>
+              <a:rPr lang="cs-CZ" dirty="0"/>
+              <a:t>Dusík</a:t>
+            </a:r>
+          </a:p>
+          <a:p>
+            <a:r>
+              <a:rPr lang="cs-CZ" dirty="0"/>
+              <a:t>Uhlík</a:t>
+            </a:r>
+          </a:p>
+          <a:p>
+            <a:r>
+              <a:rPr lang="cs-CZ" dirty="0"/>
+              <a:t>Vápník</a:t>
+            </a:r>
+          </a:p>
+          <a:p>
+            <a:r>
+              <a:rPr lang="cs-CZ" dirty="0"/>
+              <a:t>Fosfor</a:t>
             </a:r>
           </a:p>
           <a:p>
             <a:endParaRPr lang="cs-CZ" dirty="0"/>
           </a:p>
           <a:p>
-            <a:pPr marL="0" indent="0">
-              <a:buNone/>
-            </a:pPr>
-            <a:r>
-              <a:rPr lang="cs-CZ" b="1" dirty="0"/>
-              <a:t>Ukázka v </a:t>
-            </a:r>
-            <a:r>
-              <a:rPr lang="cs-CZ" b="1" dirty="0" err="1"/>
-              <a:t>Pythnu</a:t>
-            </a:r>
-            <a:r>
-              <a:rPr lang="cs-CZ" b="1" dirty="0"/>
-              <a:t> </a:t>
+            <a:r>
+              <a:rPr lang="cs-CZ" dirty="0"/>
+              <a:t>Lidské tělo je složeno z 99% z výše uvedených prvků</a:t>
             </a:r>
           </a:p>
         </p:txBody>
@@ -7986,7 +8009,7 @@
     </p:spTree>
     <p:extLst>
       <p:ext uri="{BB962C8B-B14F-4D97-AF65-F5344CB8AC3E}">
-        <p14:creationId xmlns:p14="http://schemas.microsoft.com/office/powerpoint/2010/main" val="3621199002"/>
+        <p14:creationId xmlns:p14="http://schemas.microsoft.com/office/powerpoint/2010/main" val="1122245338"/>
       </p:ext>
     </p:extLst>
   </p:cSld>
@@ -8018,15 +8041,15 @@
           <p:cNvPr id="2" name="Nadpis 1">
             <a:extLst>
               <a:ext uri="{FF2B5EF4-FFF2-40B4-BE49-F238E27FC236}">
-                <a16:creationId xmlns:a16="http://schemas.microsoft.com/office/drawing/2014/main" id="{FAE0ECE1-CD17-44EB-8EED-647CADDF8A78}"/>
-              </a:ext>
-            </a:extLst>
-          </p:cNvPr>
-          <p:cNvSpPr>
-            <a:spLocks noGrp="1"/>
-          </p:cNvSpPr>
-          <p:nvPr>
-            <p:ph type="ctrTitle"/>
+                <a16:creationId xmlns:a16="http://schemas.microsoft.com/office/drawing/2014/main" id="{AB5E6242-A30D-4C27-8105-5F171A615FBA}"/>
+              </a:ext>
+            </a:extLst>
+          </p:cNvPr>
+          <p:cNvSpPr>
+            <a:spLocks noGrp="1"/>
+          </p:cNvSpPr>
+          <p:nvPr>
+            <p:ph type="title"/>
           </p:nvPr>
         </p:nvSpPr>
         <p:spPr/>
@@ -8036,25 +8059,25 @@
           <a:p>
             <a:r>
               <a:rPr lang="cs-CZ" dirty="0"/>
-              <a:t>Software X Hardware?</a:t>
-            </a:r>
-          </a:p>
-        </p:txBody>
-      </p:sp>
-      <p:sp>
-        <p:nvSpPr>
-          <p:cNvPr id="3" name="Podnadpis 2">
-            <a:extLst>
-              <a:ext uri="{FF2B5EF4-FFF2-40B4-BE49-F238E27FC236}">
-                <a16:creationId xmlns:a16="http://schemas.microsoft.com/office/drawing/2014/main" id="{EFC8B00C-6328-4FA4-BB8F-827B5FA4A8FB}"/>
-              </a:ext>
-            </a:extLst>
-          </p:cNvPr>
-          <p:cNvSpPr>
-            <a:spLocks noGrp="1"/>
-          </p:cNvSpPr>
-          <p:nvPr>
-            <p:ph type="subTitle" idx="1"/>
+              <a:t>Většina programů je tvořena z:	</a:t>
+            </a:r>
+          </a:p>
+        </p:txBody>
+      </p:sp>
+      <p:sp>
+        <p:nvSpPr>
+          <p:cNvPr id="3" name="Zástupný obsah 2">
+            <a:extLst>
+              <a:ext uri="{FF2B5EF4-FFF2-40B4-BE49-F238E27FC236}">
+                <a16:creationId xmlns:a16="http://schemas.microsoft.com/office/drawing/2014/main" id="{166763D2-974B-48E8-9180-E52E4BAC6489}"/>
+              </a:ext>
+            </a:extLst>
+          </p:cNvPr>
+          <p:cNvSpPr>
+            <a:spLocks noGrp="1"/>
+          </p:cNvSpPr>
+          <p:nvPr>
+            <p:ph idx="1"/>
           </p:nvPr>
         </p:nvSpPr>
         <p:spPr/>
@@ -8064,7 +8087,39 @@
           <a:p>
             <a:r>
               <a:rPr lang="cs-CZ" dirty="0"/>
-              <a:t>Víte jaký je v tom rozdíl?</a:t>
+              <a:t>Podmínek</a:t>
+            </a:r>
+          </a:p>
+          <a:p>
+            <a:r>
+              <a:rPr lang="cs-CZ" dirty="0"/>
+              <a:t>Cyklů</a:t>
+            </a:r>
+          </a:p>
+          <a:p>
+            <a:r>
+              <a:rPr lang="cs-CZ" dirty="0"/>
+              <a:t>Funkcí</a:t>
+            </a:r>
+          </a:p>
+          <a:p>
+            <a:endParaRPr lang="cs-CZ" dirty="0"/>
+          </a:p>
+          <a:p>
+            <a:pPr marL="0" indent="0">
+              <a:buNone/>
+            </a:pPr>
+            <a:r>
+              <a:rPr lang="cs-CZ" b="1" dirty="0"/>
+              <a:t>Ukázka v </a:t>
+            </a:r>
+            <a:r>
+              <a:rPr lang="cs-CZ" b="1" dirty="0" err="1"/>
+              <a:t>Pythnu</a:t>
+            </a:r>
+            <a:r>
+              <a:rPr lang="cs-CZ" b="1" dirty="0"/>
+              <a:t> </a:t>
             </a:r>
           </a:p>
         </p:txBody>
@@ -8072,7 +8127,7 @@
     </p:spTree>
     <p:extLst>
       <p:ext uri="{BB962C8B-B14F-4D97-AF65-F5344CB8AC3E}">
-        <p14:creationId xmlns:p14="http://schemas.microsoft.com/office/powerpoint/2010/main" val="890927504"/>
+        <p14:creationId xmlns:p14="http://schemas.microsoft.com/office/powerpoint/2010/main" val="3621199002"/>
       </p:ext>
     </p:extLst>
   </p:cSld>
@@ -8104,7 +8159,7 @@
           <p:cNvPr id="2" name="Nadpis 1">
             <a:extLst>
               <a:ext uri="{FF2B5EF4-FFF2-40B4-BE49-F238E27FC236}">
-                <a16:creationId xmlns:a16="http://schemas.microsoft.com/office/drawing/2014/main" id="{F1F985E3-3F28-4694-A8AE-C070D77D4713}"/>
+                <a16:creationId xmlns:a16="http://schemas.microsoft.com/office/drawing/2014/main" id="{FAE0ECE1-CD17-44EB-8EED-647CADDF8A78}"/>
               </a:ext>
             </a:extLst>
           </p:cNvPr>
@@ -8122,7 +8177,7 @@
           <a:p>
             <a:r>
               <a:rPr lang="cs-CZ" dirty="0"/>
-              <a:t>Operační systém?</a:t>
+              <a:t>Software X Hardware?</a:t>
             </a:r>
           </a:p>
         </p:txBody>
@@ -8132,7 +8187,7 @@
           <p:cNvPr id="3" name="Podnadpis 2">
             <a:extLst>
               <a:ext uri="{FF2B5EF4-FFF2-40B4-BE49-F238E27FC236}">
-                <a16:creationId xmlns:a16="http://schemas.microsoft.com/office/drawing/2014/main" id="{808D0CB5-D811-44F2-8FC6-961597A8E98E}"/>
+                <a16:creationId xmlns:a16="http://schemas.microsoft.com/office/drawing/2014/main" id="{EFC8B00C-6328-4FA4-BB8F-827B5FA4A8FB}"/>
               </a:ext>
             </a:extLst>
           </p:cNvPr>
@@ -8150,7 +8205,7 @@
           <a:p>
             <a:r>
               <a:rPr lang="cs-CZ" dirty="0"/>
-              <a:t>Co to je a jaké znáte?</a:t>
+              <a:t>Víte jaký je v tom rozdíl?</a:t>
             </a:r>
           </a:p>
         </p:txBody>
@@ -8158,7 +8213,7 @@
     </p:spTree>
     <p:extLst>
       <p:ext uri="{BB962C8B-B14F-4D97-AF65-F5344CB8AC3E}">
-        <p14:creationId xmlns:p14="http://schemas.microsoft.com/office/powerpoint/2010/main" val="1044551835"/>
+        <p14:creationId xmlns:p14="http://schemas.microsoft.com/office/powerpoint/2010/main" val="890927504"/>
       </p:ext>
     </p:extLst>
   </p:cSld>
@@ -8190,7 +8245,7 @@
           <p:cNvPr id="2" name="Nadpis 1">
             <a:extLst>
               <a:ext uri="{FF2B5EF4-FFF2-40B4-BE49-F238E27FC236}">
-                <a16:creationId xmlns:a16="http://schemas.microsoft.com/office/drawing/2014/main" id="{1A7305F8-3256-4361-BF3B-52131C254FF5}"/>
+                <a16:creationId xmlns:a16="http://schemas.microsoft.com/office/drawing/2014/main" id="{F1F985E3-3F28-4694-A8AE-C070D77D4713}"/>
               </a:ext>
             </a:extLst>
           </p:cNvPr>
@@ -8208,7 +8263,7 @@
           <a:p>
             <a:r>
               <a:rPr lang="cs-CZ" dirty="0"/>
-              <a:t>Cloud?</a:t>
+              <a:t>Operační systém?</a:t>
             </a:r>
           </a:p>
         </p:txBody>
@@ -8218,7 +8273,7 @@
           <p:cNvPr id="3" name="Podnadpis 2">
             <a:extLst>
               <a:ext uri="{FF2B5EF4-FFF2-40B4-BE49-F238E27FC236}">
-                <a16:creationId xmlns:a16="http://schemas.microsoft.com/office/drawing/2014/main" id="{11EB86CB-F541-4ED6-9B0E-CAEBB9EF1F60}"/>
+                <a16:creationId xmlns:a16="http://schemas.microsoft.com/office/drawing/2014/main" id="{808D0CB5-D811-44F2-8FC6-961597A8E98E}"/>
               </a:ext>
             </a:extLst>
           </p:cNvPr>
@@ -8236,7 +8291,7 @@
           <a:p>
             <a:r>
               <a:rPr lang="cs-CZ" dirty="0"/>
-              <a:t>Co je to cloud?</a:t>
+              <a:t>Co to je a jaké znáte?</a:t>
             </a:r>
           </a:p>
         </p:txBody>
@@ -8244,7 +8299,7 @@
     </p:spTree>
     <p:extLst>
       <p:ext uri="{BB962C8B-B14F-4D97-AF65-F5344CB8AC3E}">
-        <p14:creationId xmlns:p14="http://schemas.microsoft.com/office/powerpoint/2010/main" val="2310645622"/>
+        <p14:creationId xmlns:p14="http://schemas.microsoft.com/office/powerpoint/2010/main" val="1044551835"/>
       </p:ext>
     </p:extLst>
   </p:cSld>
@@ -8276,7 +8331,7 @@
           <p:cNvPr id="2" name="Nadpis 1">
             <a:extLst>
               <a:ext uri="{FF2B5EF4-FFF2-40B4-BE49-F238E27FC236}">
-                <a16:creationId xmlns:a16="http://schemas.microsoft.com/office/drawing/2014/main" id="{CF13587A-7C0D-4201-8AB2-56BD824AD28B}"/>
+                <a16:creationId xmlns:a16="http://schemas.microsoft.com/office/drawing/2014/main" id="{1A7305F8-3256-4361-BF3B-52131C254FF5}"/>
               </a:ext>
             </a:extLst>
           </p:cNvPr>
@@ -8294,7 +8349,7 @@
           <a:p>
             <a:r>
               <a:rPr lang="cs-CZ" dirty="0"/>
-              <a:t>Textový/Tabulkový procesor?</a:t>
+              <a:t>Cloud?</a:t>
             </a:r>
           </a:p>
         </p:txBody>
@@ -8304,7 +8359,7 @@
           <p:cNvPr id="3" name="Podnadpis 2">
             <a:extLst>
               <a:ext uri="{FF2B5EF4-FFF2-40B4-BE49-F238E27FC236}">
-                <a16:creationId xmlns:a16="http://schemas.microsoft.com/office/drawing/2014/main" id="{6D838E3E-F17D-45DE-89B4-7752C40AB22F}"/>
+                <a16:creationId xmlns:a16="http://schemas.microsoft.com/office/drawing/2014/main" id="{11EB86CB-F541-4ED6-9B0E-CAEBB9EF1F60}"/>
               </a:ext>
             </a:extLst>
           </p:cNvPr>
@@ -8322,23 +8377,7 @@
           <a:p>
             <a:r>
               <a:rPr lang="cs-CZ" dirty="0"/>
-              <a:t>Neplést s </a:t>
-            </a:r>
-            <a:r>
-              <a:rPr lang="cs-CZ" dirty="0">
-                <a:hlinkClick r:id="rId2"/>
-              </a:rPr>
-              <a:t>textovým editorem</a:t>
-            </a:r>
-            <a:r>
-              <a:rPr lang="cs-CZ" dirty="0"/>
-              <a:t>.</a:t>
-            </a:r>
-          </a:p>
-          <a:p>
-            <a:r>
-              <a:rPr lang="cs-CZ" dirty="0"/>
-              <a:t>Jaké textové/tabulkové procesory znáte?</a:t>
+              <a:t>Co je to cloud?</a:t>
             </a:r>
           </a:p>
         </p:txBody>
@@ -8346,7 +8385,7 @@
     </p:spTree>
     <p:extLst>
       <p:ext uri="{BB962C8B-B14F-4D97-AF65-F5344CB8AC3E}">
-        <p14:creationId xmlns:p14="http://schemas.microsoft.com/office/powerpoint/2010/main" val="912462388"/>
+        <p14:creationId xmlns:p14="http://schemas.microsoft.com/office/powerpoint/2010/main" val="2310645622"/>
       </p:ext>
     </p:extLst>
   </p:cSld>
@@ -8378,7 +8417,7 @@
           <p:cNvPr id="2" name="Nadpis 1">
             <a:extLst>
               <a:ext uri="{FF2B5EF4-FFF2-40B4-BE49-F238E27FC236}">
-                <a16:creationId xmlns:a16="http://schemas.microsoft.com/office/drawing/2014/main" id="{489E8899-A03C-4EB4-A79E-9D8512B21992}"/>
+                <a16:creationId xmlns:a16="http://schemas.microsoft.com/office/drawing/2014/main" id="{CF13587A-7C0D-4201-8AB2-56BD824AD28B}"/>
               </a:ext>
             </a:extLst>
           </p:cNvPr>
@@ -8395,10 +8434,9 @@
           <a:lstStyle/>
           <a:p>
             <a:r>
-              <a:rPr lang="en-GB" dirty="0"/>
-              <a:t>CPU/GPU/RAM?</a:t>
-            </a:r>
-            <a:endParaRPr lang="cs-CZ" dirty="0"/>
+              <a:rPr lang="cs-CZ" dirty="0"/>
+              <a:t>Textový/Tabulkový procesor?</a:t>
+            </a:r>
           </a:p>
         </p:txBody>
       </p:sp>
@@ -8407,7 +8445,7 @@
           <p:cNvPr id="3" name="Podnadpis 2">
             <a:extLst>
               <a:ext uri="{FF2B5EF4-FFF2-40B4-BE49-F238E27FC236}">
-                <a16:creationId xmlns:a16="http://schemas.microsoft.com/office/drawing/2014/main" id="{1B34C239-FB9C-4DAF-8A68-DFBA1F57C4CF}"/>
+                <a16:creationId xmlns:a16="http://schemas.microsoft.com/office/drawing/2014/main" id="{6D838E3E-F17D-45DE-89B4-7752C40AB22F}"/>
               </a:ext>
             </a:extLst>
           </p:cNvPr>
@@ -8424,17 +8462,32 @@
           <a:lstStyle/>
           <a:p>
             <a:r>
-              <a:rPr lang="en-GB" dirty="0"/>
-              <a:t>Co to je?</a:t>
-            </a:r>
-            <a:endParaRPr lang="cs-CZ" dirty="0"/>
+              <a:rPr lang="cs-CZ" dirty="0"/>
+              <a:t>Neplést s </a:t>
+            </a:r>
+            <a:r>
+              <a:rPr lang="cs-CZ" dirty="0">
+                <a:hlinkClick r:id="rId2"/>
+              </a:rPr>
+              <a:t>textovým editorem</a:t>
+            </a:r>
+            <a:r>
+              <a:rPr lang="cs-CZ" dirty="0"/>
+              <a:t>.</a:t>
+            </a:r>
+          </a:p>
+          <a:p>
+            <a:r>
+              <a:rPr lang="cs-CZ" dirty="0"/>
+              <a:t>Jaké textové/tabulkové procesory znáte?</a:t>
+            </a:r>
           </a:p>
         </p:txBody>
       </p:sp>
     </p:spTree>
     <p:extLst>
       <p:ext uri="{BB962C8B-B14F-4D97-AF65-F5344CB8AC3E}">
-        <p14:creationId xmlns:p14="http://schemas.microsoft.com/office/powerpoint/2010/main" val="4036651632"/>
+        <p14:creationId xmlns:p14="http://schemas.microsoft.com/office/powerpoint/2010/main" val="912462388"/>
       </p:ext>
     </p:extLst>
   </p:cSld>
@@ -8466,7 +8519,7 @@
           <p:cNvPr id="2" name="Nadpis 1">
             <a:extLst>
               <a:ext uri="{FF2B5EF4-FFF2-40B4-BE49-F238E27FC236}">
-                <a16:creationId xmlns:a16="http://schemas.microsoft.com/office/drawing/2014/main" id="{FF7AE0C9-95FC-4F00-9194-012AD88980F4}"/>
+                <a16:creationId xmlns:a16="http://schemas.microsoft.com/office/drawing/2014/main" id="{489E8899-A03C-4EB4-A79E-9D8512B21992}"/>
               </a:ext>
             </a:extLst>
           </p:cNvPr>
@@ -8484,7 +8537,7 @@
           <a:p>
             <a:r>
               <a:rPr lang="en-GB" dirty="0"/>
-              <a:t>HDD/SSD</a:t>
+              <a:t>CPU/GPU/RAM?</a:t>
             </a:r>
             <a:endParaRPr lang="cs-CZ" dirty="0"/>
           </a:p>
@@ -8495,7 +8548,7 @@
           <p:cNvPr id="3" name="Podnadpis 2">
             <a:extLst>
               <a:ext uri="{FF2B5EF4-FFF2-40B4-BE49-F238E27FC236}">
-                <a16:creationId xmlns:a16="http://schemas.microsoft.com/office/drawing/2014/main" id="{AF096366-4117-4B82-9D72-E997A0E954E6}"/>
+                <a16:creationId xmlns:a16="http://schemas.microsoft.com/office/drawing/2014/main" id="{1B34C239-FB9C-4DAF-8A68-DFBA1F57C4CF}"/>
               </a:ext>
             </a:extLst>
           </p:cNvPr>
@@ -8522,7 +8575,7 @@
     </p:spTree>
     <p:extLst>
       <p:ext uri="{BB962C8B-B14F-4D97-AF65-F5344CB8AC3E}">
-        <p14:creationId xmlns:p14="http://schemas.microsoft.com/office/powerpoint/2010/main" val="3234737280"/>
+        <p14:creationId xmlns:p14="http://schemas.microsoft.com/office/powerpoint/2010/main" val="4036651632"/>
       </p:ext>
     </p:extLst>
   </p:cSld>
@@ -8654,15 +8707,15 @@
           <p:cNvPr id="2" name="Nadpis 1">
             <a:extLst>
               <a:ext uri="{FF2B5EF4-FFF2-40B4-BE49-F238E27FC236}">
-                <a16:creationId xmlns:a16="http://schemas.microsoft.com/office/drawing/2014/main" id="{175416F5-9B7B-4DE0-82F6-1F51395A6766}"/>
-              </a:ext>
-            </a:extLst>
-          </p:cNvPr>
-          <p:cNvSpPr>
-            <a:spLocks noGrp="1"/>
-          </p:cNvSpPr>
-          <p:nvPr>
-            <p:ph type="title"/>
+                <a16:creationId xmlns:a16="http://schemas.microsoft.com/office/drawing/2014/main" id="{FF7AE0C9-95FC-4F00-9194-012AD88980F4}"/>
+              </a:ext>
+            </a:extLst>
+          </p:cNvPr>
+          <p:cNvSpPr>
+            <a:spLocks noGrp="1"/>
+          </p:cNvSpPr>
+          <p:nvPr>
+            <p:ph type="ctrTitle"/>
           </p:nvPr>
         </p:nvSpPr>
         <p:spPr/>
@@ -8671,34 +8724,27 @@
           <a:lstStyle/>
           <a:p>
             <a:r>
-              <a:rPr lang="en-GB" dirty="0" err="1"/>
-              <a:t>Formul</a:t>
-            </a:r>
-            <a:r>
-              <a:rPr lang="cs-CZ" dirty="0" err="1"/>
-              <a:t>áře</a:t>
-            </a:r>
-            <a:r>
-              <a:rPr lang="cs-CZ" dirty="0"/>
-              <a:t>/Kvízy</a:t>
-            </a:r>
-          </a:p>
-        </p:txBody>
-      </p:sp>
-      <p:sp>
-        <p:nvSpPr>
-          <p:cNvPr id="3" name="Zástupný text 2">
-            <a:extLst>
-              <a:ext uri="{FF2B5EF4-FFF2-40B4-BE49-F238E27FC236}">
-                <a16:creationId xmlns:a16="http://schemas.microsoft.com/office/drawing/2014/main" id="{E85F6D29-9DF6-4D2D-B402-A08F4FD7835D}"/>
-              </a:ext>
-            </a:extLst>
-          </p:cNvPr>
-          <p:cNvSpPr>
-            <a:spLocks noGrp="1"/>
-          </p:cNvSpPr>
-          <p:nvPr>
-            <p:ph type="body" idx="1"/>
+              <a:rPr lang="en-GB" dirty="0"/>
+              <a:t>HDD/SSD</a:t>
+            </a:r>
+            <a:endParaRPr lang="cs-CZ" dirty="0"/>
+          </a:p>
+        </p:txBody>
+      </p:sp>
+      <p:sp>
+        <p:nvSpPr>
+          <p:cNvPr id="3" name="Podnadpis 2">
+            <a:extLst>
+              <a:ext uri="{FF2B5EF4-FFF2-40B4-BE49-F238E27FC236}">
+                <a16:creationId xmlns:a16="http://schemas.microsoft.com/office/drawing/2014/main" id="{AF096366-4117-4B82-9D72-E997A0E954E6}"/>
+              </a:ext>
+            </a:extLst>
+          </p:cNvPr>
+          <p:cNvSpPr>
+            <a:spLocks noGrp="1"/>
+          </p:cNvSpPr>
+          <p:nvPr>
+            <p:ph type="subTitle" idx="1"/>
           </p:nvPr>
         </p:nvSpPr>
         <p:spPr/>
@@ -8706,14 +8752,18 @@
           <a:bodyPr/>
           <a:lstStyle/>
           <a:p>
-            <a:endParaRPr lang="cs-CZ"/>
+            <a:r>
+              <a:rPr lang="en-GB" dirty="0"/>
+              <a:t>Co to je?</a:t>
+            </a:r>
+            <a:endParaRPr lang="cs-CZ" dirty="0"/>
           </a:p>
         </p:txBody>
       </p:sp>
     </p:spTree>
     <p:extLst>
       <p:ext uri="{BB962C8B-B14F-4D97-AF65-F5344CB8AC3E}">
-        <p14:creationId xmlns:p14="http://schemas.microsoft.com/office/powerpoint/2010/main" val="3672323846"/>
+        <p14:creationId xmlns:p14="http://schemas.microsoft.com/office/powerpoint/2010/main" val="3234737280"/>
       </p:ext>
     </p:extLst>
   </p:cSld>
@@ -8745,7 +8795,7 @@
           <p:cNvPr id="2" name="Nadpis 1">
             <a:extLst>
               <a:ext uri="{FF2B5EF4-FFF2-40B4-BE49-F238E27FC236}">
-                <a16:creationId xmlns:a16="http://schemas.microsoft.com/office/drawing/2014/main" id="{FE32E07A-93B9-40C8-B604-76BC2BEB5465}"/>
+                <a16:creationId xmlns:a16="http://schemas.microsoft.com/office/drawing/2014/main" id="{175416F5-9B7B-4DE0-82F6-1F51395A6766}"/>
               </a:ext>
             </a:extLst>
           </p:cNvPr>
@@ -8762,26 +8812,34 @@
           <a:lstStyle/>
           <a:p>
             <a:r>
-              <a:rPr lang="cs-CZ" dirty="0"/>
-              <a:t>Formuláře</a:t>
-            </a:r>
-          </a:p>
-        </p:txBody>
-      </p:sp>
-      <p:sp>
-        <p:nvSpPr>
-          <p:cNvPr id="3" name="Zástupný obsah 2">
-            <a:extLst>
-              <a:ext uri="{FF2B5EF4-FFF2-40B4-BE49-F238E27FC236}">
-                <a16:creationId xmlns:a16="http://schemas.microsoft.com/office/drawing/2014/main" id="{D5E6886B-BA9A-4456-BFD9-91D497AE4041}"/>
-              </a:ext>
-            </a:extLst>
-          </p:cNvPr>
-          <p:cNvSpPr>
-            <a:spLocks noGrp="1"/>
-          </p:cNvSpPr>
-          <p:nvPr>
-            <p:ph idx="1"/>
+              <a:rPr lang="en-GB" dirty="0" err="1"/>
+              <a:t>Formul</a:t>
+            </a:r>
+            <a:r>
+              <a:rPr lang="cs-CZ" dirty="0" err="1"/>
+              <a:t>áře</a:t>
+            </a:r>
+            <a:r>
+              <a:rPr lang="cs-CZ" dirty="0"/>
+              <a:t>/Kvízy</a:t>
+            </a:r>
+          </a:p>
+        </p:txBody>
+      </p:sp>
+      <p:sp>
+        <p:nvSpPr>
+          <p:cNvPr id="3" name="Zástupný text 2">
+            <a:extLst>
+              <a:ext uri="{FF2B5EF4-FFF2-40B4-BE49-F238E27FC236}">
+                <a16:creationId xmlns:a16="http://schemas.microsoft.com/office/drawing/2014/main" id="{E85F6D29-9DF6-4D2D-B402-A08F4FD7835D}"/>
+              </a:ext>
+            </a:extLst>
+          </p:cNvPr>
+          <p:cNvSpPr>
+            <a:spLocks noGrp="1"/>
+          </p:cNvSpPr>
+          <p:nvPr>
+            <p:ph type="body" idx="1"/>
           </p:nvPr>
         </p:nvSpPr>
         <p:spPr/>
@@ -8789,36 +8847,14 @@
           <a:bodyPr/>
           <a:lstStyle/>
           <a:p>
-            <a:r>
-              <a:rPr lang="cs-CZ" dirty="0"/>
-              <a:t>Znáte asi Google </a:t>
-            </a:r>
-            <a:r>
-              <a:rPr lang="cs-CZ" dirty="0" err="1"/>
-              <a:t>Forms</a:t>
-            </a:r>
-            <a:r>
-              <a:rPr lang="cs-CZ" dirty="0"/>
-              <a:t>/Microsoft </a:t>
-            </a:r>
-            <a:r>
-              <a:rPr lang="cs-CZ" dirty="0" err="1"/>
-              <a:t>Forms</a:t>
-            </a:r>
-            <a:endParaRPr lang="cs-CZ" dirty="0"/>
-          </a:p>
-          <a:p>
-            <a:r>
-              <a:rPr lang="cs-CZ" dirty="0"/>
-              <a:t>Víte o tom, že tam můžete udělat i kvíz?</a:t>
-            </a:r>
+            <a:endParaRPr lang="cs-CZ"/>
           </a:p>
         </p:txBody>
       </p:sp>
     </p:spTree>
     <p:extLst>
       <p:ext uri="{BB962C8B-B14F-4D97-AF65-F5344CB8AC3E}">
-        <p14:creationId xmlns:p14="http://schemas.microsoft.com/office/powerpoint/2010/main" val="3945944134"/>
+        <p14:creationId xmlns:p14="http://schemas.microsoft.com/office/powerpoint/2010/main" val="3672323846"/>
       </p:ext>
     </p:extLst>
   </p:cSld>
@@ -8850,15 +8886,15 @@
           <p:cNvPr id="2" name="Nadpis 1">
             <a:extLst>
               <a:ext uri="{FF2B5EF4-FFF2-40B4-BE49-F238E27FC236}">
-                <a16:creationId xmlns:a16="http://schemas.microsoft.com/office/drawing/2014/main" id="{DF2D283D-2ED4-45C4-91CB-1229EECD49BA}"/>
-              </a:ext>
-            </a:extLst>
-          </p:cNvPr>
-          <p:cNvSpPr>
-            <a:spLocks noGrp="1"/>
-          </p:cNvSpPr>
-          <p:nvPr>
-            <p:ph type="ctrTitle"/>
+                <a16:creationId xmlns:a16="http://schemas.microsoft.com/office/drawing/2014/main" id="{FE32E07A-93B9-40C8-B604-76BC2BEB5465}"/>
+              </a:ext>
+            </a:extLst>
+          </p:cNvPr>
+          <p:cNvSpPr>
+            <a:spLocks noGrp="1"/>
+          </p:cNvSpPr>
+          <p:nvPr>
+            <p:ph type="title"/>
           </p:nvPr>
         </p:nvSpPr>
         <p:spPr/>
@@ -8868,25 +8904,25 @@
           <a:p>
             <a:r>
               <a:rPr lang="cs-CZ" dirty="0"/>
-              <a:t>Aktivita udělej kvíz o 10 otázkách pro ostatní</a:t>
-            </a:r>
-          </a:p>
-        </p:txBody>
-      </p:sp>
-      <p:sp>
-        <p:nvSpPr>
-          <p:cNvPr id="3" name="Podnadpis 2">
-            <a:extLst>
-              <a:ext uri="{FF2B5EF4-FFF2-40B4-BE49-F238E27FC236}">
-                <a16:creationId xmlns:a16="http://schemas.microsoft.com/office/drawing/2014/main" id="{C0356942-E438-425C-8FD0-A9145A6B4748}"/>
-              </a:ext>
-            </a:extLst>
-          </p:cNvPr>
-          <p:cNvSpPr>
-            <a:spLocks noGrp="1"/>
-          </p:cNvSpPr>
-          <p:nvPr>
-            <p:ph type="subTitle" idx="1"/>
+              <a:t>Formuláře</a:t>
+            </a:r>
+          </a:p>
+        </p:txBody>
+      </p:sp>
+      <p:sp>
+        <p:nvSpPr>
+          <p:cNvPr id="3" name="Zástupný obsah 2">
+            <a:extLst>
+              <a:ext uri="{FF2B5EF4-FFF2-40B4-BE49-F238E27FC236}">
+                <a16:creationId xmlns:a16="http://schemas.microsoft.com/office/drawing/2014/main" id="{D5E6886B-BA9A-4456-BFD9-91D497AE4041}"/>
+              </a:ext>
+            </a:extLst>
+          </p:cNvPr>
+          <p:cNvSpPr>
+            <a:spLocks noGrp="1"/>
+          </p:cNvSpPr>
+          <p:nvPr>
+            <p:ph idx="1"/>
           </p:nvPr>
         </p:nvSpPr>
         <p:spPr/>
@@ -8896,7 +8932,26 @@
           <a:p>
             <a:r>
               <a:rPr lang="cs-CZ" dirty="0"/>
-              <a:t>Cca 30 až 40 minut</a:t>
+              <a:t>Znáte asi Google </a:t>
+            </a:r>
+            <a:r>
+              <a:rPr lang="cs-CZ" dirty="0" err="1"/>
+              <a:t>Forms</a:t>
+            </a:r>
+            <a:r>
+              <a:rPr lang="cs-CZ" dirty="0"/>
+              <a:t>/Microsoft </a:t>
+            </a:r>
+            <a:r>
+              <a:rPr lang="cs-CZ" dirty="0" err="1"/>
+              <a:t>Forms</a:t>
+            </a:r>
+            <a:endParaRPr lang="cs-CZ" dirty="0"/>
+          </a:p>
+          <a:p>
+            <a:r>
+              <a:rPr lang="cs-CZ" dirty="0"/>
+              <a:t>Víte o tom, že tam můžete udělat i kvíz?</a:t>
             </a:r>
           </a:p>
         </p:txBody>
@@ -8904,7 +8959,7 @@
     </p:spTree>
     <p:extLst>
       <p:ext uri="{BB962C8B-B14F-4D97-AF65-F5344CB8AC3E}">
-        <p14:creationId xmlns:p14="http://schemas.microsoft.com/office/powerpoint/2010/main" val="1861849954"/>
+        <p14:creationId xmlns:p14="http://schemas.microsoft.com/office/powerpoint/2010/main" val="3945944134"/>
       </p:ext>
     </p:extLst>
   </p:cSld>
@@ -8936,7 +8991,7 @@
           <p:cNvPr id="2" name="Nadpis 1">
             <a:extLst>
               <a:ext uri="{FF2B5EF4-FFF2-40B4-BE49-F238E27FC236}">
-                <a16:creationId xmlns:a16="http://schemas.microsoft.com/office/drawing/2014/main" id="{1B47DA5E-E4FD-4E98-9DE6-3F9299B7317B}"/>
+                <a16:creationId xmlns:a16="http://schemas.microsoft.com/office/drawing/2014/main" id="{DF2D283D-2ED4-45C4-91CB-1229EECD49BA}"/>
               </a:ext>
             </a:extLst>
           </p:cNvPr>
@@ -8954,7 +9009,7 @@
           <a:p>
             <a:r>
               <a:rPr lang="cs-CZ" dirty="0"/>
-              <a:t>QR kód</a:t>
+              <a:t>Aktivita udělej kvíz o 10 otázkách pro ostatní</a:t>
             </a:r>
           </a:p>
         </p:txBody>
@@ -8964,7 +9019,7 @@
           <p:cNvPr id="3" name="Podnadpis 2">
             <a:extLst>
               <a:ext uri="{FF2B5EF4-FFF2-40B4-BE49-F238E27FC236}">
-                <a16:creationId xmlns:a16="http://schemas.microsoft.com/office/drawing/2014/main" id="{F0954CBF-3C0D-4B7C-AA7F-C98C04D095A7}"/>
+                <a16:creationId xmlns:a16="http://schemas.microsoft.com/office/drawing/2014/main" id="{C0356942-E438-425C-8FD0-A9145A6B4748}"/>
               </a:ext>
             </a:extLst>
           </p:cNvPr>
@@ -8982,13 +9037,7 @@
           <a:p>
             <a:r>
               <a:rPr lang="cs-CZ" dirty="0"/>
-              <a:t>Tvorba QR kódu.</a:t>
-            </a:r>
-          </a:p>
-          <a:p>
-            <a:r>
-              <a:rPr lang="cs-CZ" dirty="0"/>
-              <a:t>Jak na to?</a:t>
+              <a:t>Cca 30 až 40 minut</a:t>
             </a:r>
           </a:p>
         </p:txBody>
@@ -8996,7 +9045,7 @@
     </p:spTree>
     <p:extLst>
       <p:ext uri="{BB962C8B-B14F-4D97-AF65-F5344CB8AC3E}">
-        <p14:creationId xmlns:p14="http://schemas.microsoft.com/office/powerpoint/2010/main" val="3321121461"/>
+        <p14:creationId xmlns:p14="http://schemas.microsoft.com/office/powerpoint/2010/main" val="1861849954"/>
       </p:ext>
     </p:extLst>
   </p:cSld>
@@ -9028,6 +9077,98 @@
           <p:cNvPr id="2" name="Nadpis 1">
             <a:extLst>
               <a:ext uri="{FF2B5EF4-FFF2-40B4-BE49-F238E27FC236}">
+                <a16:creationId xmlns:a16="http://schemas.microsoft.com/office/drawing/2014/main" id="{1B47DA5E-E4FD-4E98-9DE6-3F9299B7317B}"/>
+              </a:ext>
+            </a:extLst>
+          </p:cNvPr>
+          <p:cNvSpPr>
+            <a:spLocks noGrp="1"/>
+          </p:cNvSpPr>
+          <p:nvPr>
+            <p:ph type="ctrTitle"/>
+          </p:nvPr>
+        </p:nvSpPr>
+        <p:spPr/>
+        <p:txBody>
+          <a:bodyPr/>
+          <a:lstStyle/>
+          <a:p>
+            <a:r>
+              <a:rPr lang="cs-CZ" dirty="0"/>
+              <a:t>QR kód</a:t>
+            </a:r>
+          </a:p>
+        </p:txBody>
+      </p:sp>
+      <p:sp>
+        <p:nvSpPr>
+          <p:cNvPr id="3" name="Podnadpis 2">
+            <a:extLst>
+              <a:ext uri="{FF2B5EF4-FFF2-40B4-BE49-F238E27FC236}">
+                <a16:creationId xmlns:a16="http://schemas.microsoft.com/office/drawing/2014/main" id="{F0954CBF-3C0D-4B7C-AA7F-C98C04D095A7}"/>
+              </a:ext>
+            </a:extLst>
+          </p:cNvPr>
+          <p:cNvSpPr>
+            <a:spLocks noGrp="1"/>
+          </p:cNvSpPr>
+          <p:nvPr>
+            <p:ph type="subTitle" idx="1"/>
+          </p:nvPr>
+        </p:nvSpPr>
+        <p:spPr/>
+        <p:txBody>
+          <a:bodyPr/>
+          <a:lstStyle/>
+          <a:p>
+            <a:r>
+              <a:rPr lang="cs-CZ" dirty="0"/>
+              <a:t>Tvorba QR kódu.</a:t>
+            </a:r>
+          </a:p>
+          <a:p>
+            <a:r>
+              <a:rPr lang="cs-CZ" dirty="0"/>
+              <a:t>Jak na to?</a:t>
+            </a:r>
+          </a:p>
+        </p:txBody>
+      </p:sp>
+    </p:spTree>
+    <p:extLst>
+      <p:ext uri="{BB962C8B-B14F-4D97-AF65-F5344CB8AC3E}">
+        <p14:creationId xmlns:p14="http://schemas.microsoft.com/office/powerpoint/2010/main" val="3321121461"/>
+      </p:ext>
+    </p:extLst>
+  </p:cSld>
+  <p:clrMapOvr>
+    <a:masterClrMapping/>
+  </p:clrMapOvr>
+</p:sld>
+</file>
+
+<file path=ppt/slides/slide55.xml><?xml version="1.0" encoding="utf-8"?>
+<p:sld xmlns:a="http://schemas.openxmlformats.org/drawingml/2006/main" xmlns:r="http://schemas.openxmlformats.org/officeDocument/2006/relationships" xmlns:p="http://schemas.openxmlformats.org/presentationml/2006/main">
+  <p:cSld>
+    <p:spTree>
+      <p:nvGrpSpPr>
+        <p:cNvPr id="1" name=""/>
+        <p:cNvGrpSpPr/>
+        <p:nvPr/>
+      </p:nvGrpSpPr>
+      <p:grpSpPr>
+        <a:xfrm>
+          <a:off x="0" y="0"/>
+          <a:ext cx="0" cy="0"/>
+          <a:chOff x="0" y="0"/>
+          <a:chExt cx="0" cy="0"/>
+        </a:xfrm>
+      </p:grpSpPr>
+      <p:sp>
+        <p:nvSpPr>
+          <p:cNvPr id="2" name="Nadpis 1">
+            <a:extLst>
+              <a:ext uri="{FF2B5EF4-FFF2-40B4-BE49-F238E27FC236}">
                 <a16:creationId xmlns:a16="http://schemas.microsoft.com/office/drawing/2014/main" id="{7FB69CA1-5055-47E8-857D-48BE50083FC1}"/>
               </a:ext>
             </a:extLst>
@@ -9108,7 +9249,7 @@
 </p:sld>
 </file>
 
-<file path=ppt/slides/slide55.xml><?xml version="1.0" encoding="utf-8"?>
+<file path=ppt/slides/slide56.xml><?xml version="1.0" encoding="utf-8"?>
 <p:sld xmlns:a="http://schemas.openxmlformats.org/drawingml/2006/main" xmlns:r="http://schemas.openxmlformats.org/officeDocument/2006/relationships" xmlns:p="http://schemas.openxmlformats.org/presentationml/2006/main">
   <p:cSld>
     <p:spTree>
